--- a/6DesignPatterns.pptx
+++ b/6DesignPatterns.pptx
@@ -5,7 +5,7 @@
     <p:sldMasterId id="2147483648" r:id="rId1"/>
   </p:sldMasterIdLst>
   <p:notesMasterIdLst>
-    <p:notesMasterId r:id="rId29"/>
+    <p:notesMasterId r:id="rId30"/>
   </p:notesMasterIdLst>
   <p:sldIdLst>
     <p:sldId id="323" r:id="rId2"/>
@@ -18,23 +18,24 @@
     <p:sldId id="330" r:id="rId9"/>
     <p:sldId id="331" r:id="rId10"/>
     <p:sldId id="361" r:id="rId11"/>
-    <p:sldId id="362" r:id="rId12"/>
-    <p:sldId id="333" r:id="rId13"/>
-    <p:sldId id="334" r:id="rId14"/>
-    <p:sldId id="335" r:id="rId15"/>
-    <p:sldId id="336" r:id="rId16"/>
-    <p:sldId id="367" r:id="rId17"/>
-    <p:sldId id="337" r:id="rId18"/>
+    <p:sldId id="333" r:id="rId12"/>
+    <p:sldId id="334" r:id="rId13"/>
+    <p:sldId id="335" r:id="rId14"/>
+    <p:sldId id="336" r:id="rId15"/>
+    <p:sldId id="367" r:id="rId16"/>
+    <p:sldId id="337" r:id="rId17"/>
+    <p:sldId id="368" r:id="rId18"/>
     <p:sldId id="338" r:id="rId19"/>
     <p:sldId id="339" r:id="rId20"/>
     <p:sldId id="340" r:id="rId21"/>
     <p:sldId id="341" r:id="rId22"/>
-    <p:sldId id="342" r:id="rId23"/>
-    <p:sldId id="343" r:id="rId24"/>
-    <p:sldId id="344" r:id="rId25"/>
-    <p:sldId id="345" r:id="rId26"/>
-    <p:sldId id="346" r:id="rId27"/>
-    <p:sldId id="347" r:id="rId28"/>
+    <p:sldId id="369" r:id="rId23"/>
+    <p:sldId id="342" r:id="rId24"/>
+    <p:sldId id="343" r:id="rId25"/>
+    <p:sldId id="344" r:id="rId26"/>
+    <p:sldId id="345" r:id="rId27"/>
+    <p:sldId id="346" r:id="rId28"/>
+    <p:sldId id="347" r:id="rId29"/>
   </p:sldIdLst>
   <p:sldSz cx="12192000" cy="6858000"/>
   <p:notesSz cx="6858000" cy="9144000"/>
@@ -223,7 +224,7 @@
           <a:p>
             <a:fld id="{F15A6252-5F50-4106-9C23-9E03A675631E}" type="datetimeFigureOut">
               <a:rPr lang="en-IN" smtClean="0"/>
-              <a:t>07-04-2020</a:t>
+              <a:t>23-01-2023</a:t>
             </a:fld>
             <a:endParaRPr lang="en-IN"/>
           </a:p>
@@ -733,7 +734,7 @@
     </p:spTree>
     <p:extLst>
       <p:ext uri="{BB962C8B-B14F-4D97-AF65-F5344CB8AC3E}">
-        <p14:creationId xmlns:p14="http://schemas.microsoft.com/office/powerpoint/2010/main" val="2363750231"/>
+        <p14:creationId xmlns:p14="http://schemas.microsoft.com/office/powerpoint/2010/main" val="845658012"/>
       </p:ext>
     </p:extLst>
   </p:cSld>
@@ -817,7 +818,7 @@
     </p:spTree>
     <p:extLst>
       <p:ext uri="{BB962C8B-B14F-4D97-AF65-F5344CB8AC3E}">
-        <p14:creationId xmlns:p14="http://schemas.microsoft.com/office/powerpoint/2010/main" val="845658012"/>
+        <p14:creationId xmlns:p14="http://schemas.microsoft.com/office/powerpoint/2010/main" val="3565961997"/>
       </p:ext>
     </p:extLst>
   </p:cSld>
@@ -901,7 +902,7 @@
     </p:spTree>
     <p:extLst>
       <p:ext uri="{BB962C8B-B14F-4D97-AF65-F5344CB8AC3E}">
-        <p14:creationId xmlns:p14="http://schemas.microsoft.com/office/powerpoint/2010/main" val="3565961997"/>
+        <p14:creationId xmlns:p14="http://schemas.microsoft.com/office/powerpoint/2010/main" val="1502583144"/>
       </p:ext>
     </p:extLst>
   </p:cSld>
@@ -985,7 +986,7 @@
     </p:spTree>
     <p:extLst>
       <p:ext uri="{BB962C8B-B14F-4D97-AF65-F5344CB8AC3E}">
-        <p14:creationId xmlns:p14="http://schemas.microsoft.com/office/powerpoint/2010/main" val="1502583144"/>
+        <p14:creationId xmlns:p14="http://schemas.microsoft.com/office/powerpoint/2010/main" val="1913952852"/>
       </p:ext>
     </p:extLst>
   </p:cSld>
@@ -1069,7 +1070,7 @@
     </p:spTree>
     <p:extLst>
       <p:ext uri="{BB962C8B-B14F-4D97-AF65-F5344CB8AC3E}">
-        <p14:creationId xmlns:p14="http://schemas.microsoft.com/office/powerpoint/2010/main" val="1913952852"/>
+        <p14:creationId xmlns:p14="http://schemas.microsoft.com/office/powerpoint/2010/main" val="1359586262"/>
       </p:ext>
     </p:extLst>
   </p:cSld>
@@ -1153,7 +1154,7 @@
     </p:spTree>
     <p:extLst>
       <p:ext uri="{BB962C8B-B14F-4D97-AF65-F5344CB8AC3E}">
-        <p14:creationId xmlns:p14="http://schemas.microsoft.com/office/powerpoint/2010/main" val="1359586262"/>
+        <p14:creationId xmlns:p14="http://schemas.microsoft.com/office/powerpoint/2010/main" val="3686782248"/>
       </p:ext>
     </p:extLst>
   </p:cSld>
@@ -1237,7 +1238,7 @@
     </p:spTree>
     <p:extLst>
       <p:ext uri="{BB962C8B-B14F-4D97-AF65-F5344CB8AC3E}">
-        <p14:creationId xmlns:p14="http://schemas.microsoft.com/office/powerpoint/2010/main" val="3686782248"/>
+        <p14:creationId xmlns:p14="http://schemas.microsoft.com/office/powerpoint/2010/main" val="1468633496"/>
       </p:ext>
     </p:extLst>
   </p:cSld>
@@ -1741,7 +1742,7 @@
     </p:spTree>
     <p:extLst>
       <p:ext uri="{BB962C8B-B14F-4D97-AF65-F5344CB8AC3E}">
-        <p14:creationId xmlns:p14="http://schemas.microsoft.com/office/powerpoint/2010/main" val="1607679474"/>
+        <p14:creationId xmlns:p14="http://schemas.microsoft.com/office/powerpoint/2010/main" val="166332963"/>
       </p:ext>
     </p:extLst>
   </p:cSld>
@@ -1825,7 +1826,7 @@
     </p:spTree>
     <p:extLst>
       <p:ext uri="{BB962C8B-B14F-4D97-AF65-F5344CB8AC3E}">
-        <p14:creationId xmlns:p14="http://schemas.microsoft.com/office/powerpoint/2010/main" val="2453718745"/>
+        <p14:creationId xmlns:p14="http://schemas.microsoft.com/office/powerpoint/2010/main" val="1607679474"/>
       </p:ext>
     </p:extLst>
   </p:cSld>
@@ -1909,7 +1910,7 @@
     </p:spTree>
     <p:extLst>
       <p:ext uri="{BB962C8B-B14F-4D97-AF65-F5344CB8AC3E}">
-        <p14:creationId xmlns:p14="http://schemas.microsoft.com/office/powerpoint/2010/main" val="206064503"/>
+        <p14:creationId xmlns:p14="http://schemas.microsoft.com/office/powerpoint/2010/main" val="2453718745"/>
       </p:ext>
     </p:extLst>
   </p:cSld>
@@ -1993,7 +1994,7 @@
     </p:spTree>
     <p:extLst>
       <p:ext uri="{BB962C8B-B14F-4D97-AF65-F5344CB8AC3E}">
-        <p14:creationId xmlns:p14="http://schemas.microsoft.com/office/powerpoint/2010/main" val="2802525148"/>
+        <p14:creationId xmlns:p14="http://schemas.microsoft.com/office/powerpoint/2010/main" val="206064503"/>
       </p:ext>
     </p:extLst>
   </p:cSld>
@@ -2077,7 +2078,7 @@
     </p:spTree>
     <p:extLst>
       <p:ext uri="{BB962C8B-B14F-4D97-AF65-F5344CB8AC3E}">
-        <p14:creationId xmlns:p14="http://schemas.microsoft.com/office/powerpoint/2010/main" val="2896760030"/>
+        <p14:creationId xmlns:p14="http://schemas.microsoft.com/office/powerpoint/2010/main" val="2802525148"/>
       </p:ext>
     </p:extLst>
   </p:cSld>
@@ -2153,6 +2154,90 @@
             <a:fld id="{9B3CEC36-385F-48D4-8D43-C67229F8A2A2}" type="slidenum">
               <a:rPr lang="en-IN" smtClean="0"/>
               <a:t>27</a:t>
+            </a:fld>
+            <a:endParaRPr lang="en-IN"/>
+          </a:p>
+        </p:txBody>
+      </p:sp>
+    </p:spTree>
+    <p:extLst>
+      <p:ext uri="{BB962C8B-B14F-4D97-AF65-F5344CB8AC3E}">
+        <p14:creationId xmlns:p14="http://schemas.microsoft.com/office/powerpoint/2010/main" val="2896760030"/>
+      </p:ext>
+    </p:extLst>
+  </p:cSld>
+  <p:clrMapOvr>
+    <a:masterClrMapping/>
+  </p:clrMapOvr>
+</p:notes>
+</file>
+
+<file path=ppt/notesSlides/notesSlide28.xml><?xml version="1.0" encoding="utf-8"?>
+<p:notes xmlns:a="http://schemas.openxmlformats.org/drawingml/2006/main" xmlns:r="http://schemas.openxmlformats.org/officeDocument/2006/relationships" xmlns:p="http://schemas.openxmlformats.org/presentationml/2006/main">
+  <p:cSld>
+    <p:spTree>
+      <p:nvGrpSpPr>
+        <p:cNvPr id="1" name=""/>
+        <p:cNvGrpSpPr/>
+        <p:nvPr/>
+      </p:nvGrpSpPr>
+      <p:grpSpPr>
+        <a:xfrm>
+          <a:off x="0" y="0"/>
+          <a:ext cx="0" cy="0"/>
+          <a:chOff x="0" y="0"/>
+          <a:chExt cx="0" cy="0"/>
+        </a:xfrm>
+      </p:grpSpPr>
+      <p:sp>
+        <p:nvSpPr>
+          <p:cNvPr id="2" name="Slide Image Placeholder 1"/>
+          <p:cNvSpPr>
+            <a:spLocks noGrp="1" noRot="1" noChangeAspect="1"/>
+          </p:cNvSpPr>
+          <p:nvPr>
+            <p:ph type="sldImg"/>
+          </p:nvPr>
+        </p:nvSpPr>
+        <p:spPr/>
+      </p:sp>
+      <p:sp>
+        <p:nvSpPr>
+          <p:cNvPr id="3" name="Notes Placeholder 2"/>
+          <p:cNvSpPr>
+            <a:spLocks noGrp="1"/>
+          </p:cNvSpPr>
+          <p:nvPr>
+            <p:ph type="body" idx="1"/>
+          </p:nvPr>
+        </p:nvSpPr>
+        <p:spPr/>
+        <p:txBody>
+          <a:bodyPr/>
+          <a:lstStyle/>
+          <a:p>
+            <a:endParaRPr lang="en-IN" dirty="0"/>
+          </a:p>
+        </p:txBody>
+      </p:sp>
+      <p:sp>
+        <p:nvSpPr>
+          <p:cNvPr id="4" name="Slide Number Placeholder 3"/>
+          <p:cNvSpPr>
+            <a:spLocks noGrp="1"/>
+          </p:cNvSpPr>
+          <p:nvPr>
+            <p:ph type="sldNum" sz="quarter" idx="5"/>
+          </p:nvPr>
+        </p:nvSpPr>
+        <p:spPr/>
+        <p:txBody>
+          <a:bodyPr/>
+          <a:lstStyle/>
+          <a:p>
+            <a:fld id="{9B3CEC36-385F-48D4-8D43-C67229F8A2A2}" type="slidenum">
+              <a:rPr lang="en-IN" smtClean="0"/>
+              <a:t>28</a:t>
             </a:fld>
             <a:endParaRPr lang="en-IN"/>
           </a:p>
@@ -2908,7 +2993,7 @@
           <a:p>
             <a:fld id="{4086692B-153F-4DFE-BFBD-A2AE2C7443B6}" type="datetimeFigureOut">
               <a:rPr lang="en-IN" smtClean="0"/>
-              <a:t>07-04-2020</a:t>
+              <a:t>23-01-2023</a:t>
             </a:fld>
             <a:endParaRPr lang="en-IN"/>
           </a:p>
@@ -3108,7 +3193,7 @@
           <a:p>
             <a:fld id="{4086692B-153F-4DFE-BFBD-A2AE2C7443B6}" type="datetimeFigureOut">
               <a:rPr lang="en-IN" smtClean="0"/>
-              <a:t>07-04-2020</a:t>
+              <a:t>23-01-2023</a:t>
             </a:fld>
             <a:endParaRPr lang="en-IN"/>
           </a:p>
@@ -3318,7 +3403,7 @@
           <a:p>
             <a:fld id="{4086692B-153F-4DFE-BFBD-A2AE2C7443B6}" type="datetimeFigureOut">
               <a:rPr lang="en-IN" smtClean="0"/>
-              <a:t>07-04-2020</a:t>
+              <a:t>23-01-2023</a:t>
             </a:fld>
             <a:endParaRPr lang="en-IN"/>
           </a:p>
@@ -3518,7 +3603,7 @@
           <a:p>
             <a:fld id="{4086692B-153F-4DFE-BFBD-A2AE2C7443B6}" type="datetimeFigureOut">
               <a:rPr lang="en-IN" smtClean="0"/>
-              <a:t>07-04-2020</a:t>
+              <a:t>23-01-2023</a:t>
             </a:fld>
             <a:endParaRPr lang="en-IN"/>
           </a:p>
@@ -3794,7 +3879,7 @@
           <a:p>
             <a:fld id="{4086692B-153F-4DFE-BFBD-A2AE2C7443B6}" type="datetimeFigureOut">
               <a:rPr lang="en-IN" smtClean="0"/>
-              <a:t>07-04-2020</a:t>
+              <a:t>23-01-2023</a:t>
             </a:fld>
             <a:endParaRPr lang="en-IN"/>
           </a:p>
@@ -4062,7 +4147,7 @@
           <a:p>
             <a:fld id="{4086692B-153F-4DFE-BFBD-A2AE2C7443B6}" type="datetimeFigureOut">
               <a:rPr lang="en-IN" smtClean="0"/>
-              <a:t>07-04-2020</a:t>
+              <a:t>23-01-2023</a:t>
             </a:fld>
             <a:endParaRPr lang="en-IN"/>
           </a:p>
@@ -4477,7 +4562,7 @@
           <a:p>
             <a:fld id="{4086692B-153F-4DFE-BFBD-A2AE2C7443B6}" type="datetimeFigureOut">
               <a:rPr lang="en-IN" smtClean="0"/>
-              <a:t>07-04-2020</a:t>
+              <a:t>23-01-2023</a:t>
             </a:fld>
             <a:endParaRPr lang="en-IN"/>
           </a:p>
@@ -4619,7 +4704,7 @@
           <a:p>
             <a:fld id="{4086692B-153F-4DFE-BFBD-A2AE2C7443B6}" type="datetimeFigureOut">
               <a:rPr lang="en-IN" smtClean="0"/>
-              <a:t>07-04-2020</a:t>
+              <a:t>23-01-2023</a:t>
             </a:fld>
             <a:endParaRPr lang="en-IN"/>
           </a:p>
@@ -4732,7 +4817,7 @@
           <a:p>
             <a:fld id="{4086692B-153F-4DFE-BFBD-A2AE2C7443B6}" type="datetimeFigureOut">
               <a:rPr lang="en-IN" smtClean="0"/>
-              <a:t>07-04-2020</a:t>
+              <a:t>23-01-2023</a:t>
             </a:fld>
             <a:endParaRPr lang="en-IN"/>
           </a:p>
@@ -5045,7 +5130,7 @@
           <a:p>
             <a:fld id="{4086692B-153F-4DFE-BFBD-A2AE2C7443B6}" type="datetimeFigureOut">
               <a:rPr lang="en-IN" smtClean="0"/>
-              <a:t>07-04-2020</a:t>
+              <a:t>23-01-2023</a:t>
             </a:fld>
             <a:endParaRPr lang="en-IN"/>
           </a:p>
@@ -5334,7 +5419,7 @@
           <a:p>
             <a:fld id="{4086692B-153F-4DFE-BFBD-A2AE2C7443B6}" type="datetimeFigureOut">
               <a:rPr lang="en-IN" smtClean="0"/>
-              <a:t>07-04-2020</a:t>
+              <a:t>23-01-2023</a:t>
             </a:fld>
             <a:endParaRPr lang="en-IN"/>
           </a:p>
@@ -5577,7 +5662,7 @@
           <a:p>
             <a:fld id="{4086692B-153F-4DFE-BFBD-A2AE2C7443B6}" type="datetimeFigureOut">
               <a:rPr lang="en-IN" smtClean="0"/>
-              <a:t>07-04-2020</a:t>
+              <a:t>23-01-2023</a:t>
             </a:fld>
             <a:endParaRPr lang="en-IN"/>
           </a:p>
@@ -6436,7 +6521,7 @@
                 </a:solidFill>
                 <a:latin typeface="+mn-lt"/>
               </a:rPr>
-              <a:t>Factory Method</a:t>
+              <a:t>Factory Patterns</a:t>
             </a:r>
             <a:endParaRPr lang="en-IN" sz="4000" dirty="0">
               <a:solidFill>
@@ -6480,36 +6565,81 @@
               <a:buChar char="•"/>
             </a:pPr>
             <a:r>
-              <a:rPr lang="en-US" sz="2200" b="1" dirty="0" err="1">
-                <a:solidFill>
-                  <a:schemeClr val="bg1"/>
-                </a:solidFill>
-              </a:rPr>
-              <a:t>asd</a:t>
-            </a:r>
-            <a:endParaRPr lang="en-US" sz="2200" b="1" dirty="0">
-              <a:solidFill>
-                <a:schemeClr val="bg1"/>
-              </a:solidFill>
-            </a:endParaRPr>
+              <a:rPr lang="en-US" sz="2200" b="1" dirty="0">
+                <a:solidFill>
+                  <a:schemeClr val="bg1"/>
+                </a:solidFill>
+              </a:rPr>
+              <a:t>Lab1: Property File loaded into the memory with NLP support. How would you do that?</a:t>
+            </a:r>
           </a:p>
           <a:p>
             <a:pPr marL="742950" lvl="1" indent="-285750">
               <a:buFont typeface="Arial" panose="020B0604020202020204" pitchFamily="34" charset="0"/>
               <a:buChar char="•"/>
             </a:pPr>
-            <a:endParaRPr lang="en-US" sz="2200" b="1" dirty="0">
-              <a:solidFill>
-                <a:schemeClr val="bg1"/>
-              </a:solidFill>
-            </a:endParaRPr>
-          </a:p>
-        </p:txBody>
-      </p:sp>
+            <a:r>
+              <a:rPr lang="en-IN" sz="2200" b="1" dirty="0">
+                <a:solidFill>
+                  <a:schemeClr val="bg1"/>
+                </a:solidFill>
+              </a:rPr>
+              <a:t>Can be done using Factory</a:t>
+            </a:r>
+          </a:p>
+        </p:txBody>
+      </p:sp>
+      <p:pic>
+        <p:nvPicPr>
+          <p:cNvPr id="2050" name="Picture 2" descr="Clarifying uml class diagram of factory design pattern - Stack ...">
+            <a:extLst>
+              <a:ext uri="{FF2B5EF4-FFF2-40B4-BE49-F238E27FC236}">
+                <a16:creationId xmlns:a16="http://schemas.microsoft.com/office/drawing/2014/main" id="{1A5F0B15-97BF-4F27-A5DB-F98AE2A44477}"/>
+              </a:ext>
+            </a:extLst>
+          </p:cNvPr>
+          <p:cNvPicPr>
+            <a:picLocks noChangeAspect="1" noChangeArrowheads="1"/>
+          </p:cNvPicPr>
+          <p:nvPr/>
+        </p:nvPicPr>
+        <p:blipFill>
+          <a:blip r:embed="rId3">
+            <a:extLst>
+              <a:ext uri="{28A0092B-C50C-407E-A947-70E740481C1C}">
+                <a14:useLocalDpi xmlns:a14="http://schemas.microsoft.com/office/drawing/2010/main" val="0"/>
+              </a:ext>
+            </a:extLst>
+          </a:blip>
+          <a:srcRect/>
+          <a:stretch>
+            <a:fillRect/>
+          </a:stretch>
+        </p:blipFill>
+        <p:spPr bwMode="auto">
+          <a:xfrm>
+            <a:off x="3638550" y="2409825"/>
+            <a:ext cx="4914900" cy="2038350"/>
+          </a:xfrm>
+          <a:prstGeom prst="rect">
+            <a:avLst/>
+          </a:prstGeom>
+          <a:noFill/>
+          <a:extLst>
+            <a:ext uri="{909E8E84-426E-40DD-AFC4-6F175D3DCCD1}">
+              <a14:hiddenFill xmlns:a14="http://schemas.microsoft.com/office/drawing/2010/main">
+                <a:solidFill>
+                  <a:srgbClr val="FFFFFF"/>
+                </a:solidFill>
+              </a14:hiddenFill>
+            </a:ext>
+          </a:extLst>
+        </p:spPr>
+      </p:pic>
     </p:spTree>
     <p:extLst>
       <p:ext uri="{BB962C8B-B14F-4D97-AF65-F5344CB8AC3E}">
-        <p14:creationId xmlns:p14="http://schemas.microsoft.com/office/powerpoint/2010/main" val="3395956805"/>
+        <p14:creationId xmlns:p14="http://schemas.microsoft.com/office/powerpoint/2010/main" val="3404810940"/>
       </p:ext>
     </p:extLst>
   </p:cSld>
@@ -6583,7 +6713,7 @@
                 </a:solidFill>
                 <a:latin typeface="+mn-lt"/>
               </a:rPr>
-              <a:t>Factory Patterns</a:t>
+              <a:t>Design Patterns</a:t>
             </a:r>
             <a:endParaRPr lang="en-IN" sz="4000" dirty="0">
               <a:solidFill>
@@ -6632,31 +6762,22 @@
                   <a:schemeClr val="bg1"/>
                 </a:solidFill>
               </a:rPr>
-              <a:t>Lab1: Property File loaded into the memory. How would you do that?</a:t>
-            </a:r>
-          </a:p>
-          <a:p>
-            <a:pPr marL="742950" lvl="1" indent="-285750">
-              <a:buFont typeface="Arial" panose="020B0604020202020204" pitchFamily="34" charset="0"/>
-              <a:buChar char="•"/>
-            </a:pPr>
-            <a:r>
-              <a:rPr lang="en-IN" sz="2200" b="1" dirty="0">
-                <a:solidFill>
-                  <a:schemeClr val="bg1"/>
-                </a:solidFill>
-              </a:rPr>
-              <a:t>Can be done using Factory</a:t>
-            </a:r>
+              <a:t>Lab1:Design and create a weapon manufacturer. Based on the demand create different customer weapon </a:t>
+            </a:r>
+            <a:endParaRPr lang="en-IN" sz="2200" b="1" dirty="0">
+              <a:solidFill>
+                <a:schemeClr val="bg1"/>
+              </a:solidFill>
+            </a:endParaRPr>
           </a:p>
         </p:txBody>
       </p:sp>
       <p:pic>
         <p:nvPicPr>
-          <p:cNvPr id="2050" name="Picture 2" descr="Clarifying uml class diagram of factory design pattern - Stack ...">
-            <a:extLst>
-              <a:ext uri="{FF2B5EF4-FFF2-40B4-BE49-F238E27FC236}">
-                <a16:creationId xmlns:a16="http://schemas.microsoft.com/office/drawing/2014/main" id="{1A5F0B15-97BF-4F27-A5DB-F98AE2A44477}"/>
+          <p:cNvPr id="3074" name="Picture 2" descr="alt text">
+            <a:extLst>
+              <a:ext uri="{FF2B5EF4-FFF2-40B4-BE49-F238E27FC236}">
+                <a16:creationId xmlns:a16="http://schemas.microsoft.com/office/drawing/2014/main" id="{1EAFD0D9-24D9-4E4D-AD1B-AF926E9E3DE7}"/>
               </a:ext>
             </a:extLst>
           </p:cNvPr>
@@ -6680,8 +6801,8 @@
         </p:blipFill>
         <p:spPr bwMode="auto">
           <a:xfrm>
-            <a:off x="3638550" y="2409825"/>
-            <a:ext cx="4914900" cy="2038350"/>
+            <a:off x="380144" y="2430710"/>
+            <a:ext cx="11270750" cy="3600220"/>
           </a:xfrm>
           <a:prstGeom prst="rect">
             <a:avLst/>
@@ -6701,7 +6822,7 @@
     </p:spTree>
     <p:extLst>
       <p:ext uri="{BB962C8B-B14F-4D97-AF65-F5344CB8AC3E}">
-        <p14:creationId xmlns:p14="http://schemas.microsoft.com/office/powerpoint/2010/main" val="3404810940"/>
+        <p14:creationId xmlns:p14="http://schemas.microsoft.com/office/powerpoint/2010/main" val="3164692518"/>
       </p:ext>
     </p:extLst>
   </p:cSld>
@@ -6801,7 +6922,7 @@
         <p:spPr>
           <a:xfrm>
             <a:off x="902855" y="1661269"/>
-            <a:ext cx="10615808" cy="769441"/>
+            <a:ext cx="10615808" cy="430887"/>
           </a:xfrm>
           <a:prstGeom prst="rect">
             <a:avLst/>
@@ -6824,7 +6945,7 @@
                   <a:schemeClr val="bg1"/>
                 </a:solidFill>
               </a:rPr>
-              <a:t>Lab1:Design and create a weapon manufacturer. Based on the demand create different customer weapon </a:t>
+              <a:t>Lab1: Property File loaded into the memory. How would you do that?</a:t>
             </a:r>
             <a:endParaRPr lang="en-IN" sz="2200" b="1" dirty="0">
               <a:solidFill>
@@ -6834,57 +6955,10 @@
           </a:p>
         </p:txBody>
       </p:sp>
-      <p:pic>
-        <p:nvPicPr>
-          <p:cNvPr id="3074" name="Picture 2" descr="alt text">
-            <a:extLst>
-              <a:ext uri="{FF2B5EF4-FFF2-40B4-BE49-F238E27FC236}">
-                <a16:creationId xmlns:a16="http://schemas.microsoft.com/office/drawing/2014/main" id="{1EAFD0D9-24D9-4E4D-AD1B-AF926E9E3DE7}"/>
-              </a:ext>
-            </a:extLst>
-          </p:cNvPr>
-          <p:cNvPicPr>
-            <a:picLocks noChangeAspect="1" noChangeArrowheads="1"/>
-          </p:cNvPicPr>
-          <p:nvPr/>
-        </p:nvPicPr>
-        <p:blipFill>
-          <a:blip r:embed="rId3">
-            <a:extLst>
-              <a:ext uri="{28A0092B-C50C-407E-A947-70E740481C1C}">
-                <a14:useLocalDpi xmlns:a14="http://schemas.microsoft.com/office/drawing/2010/main" val="0"/>
-              </a:ext>
-            </a:extLst>
-          </a:blip>
-          <a:srcRect/>
-          <a:stretch>
-            <a:fillRect/>
-          </a:stretch>
-        </p:blipFill>
-        <p:spPr bwMode="auto">
-          <a:xfrm>
-            <a:off x="380144" y="2430710"/>
-            <a:ext cx="11270750" cy="3600220"/>
-          </a:xfrm>
-          <a:prstGeom prst="rect">
-            <a:avLst/>
-          </a:prstGeom>
-          <a:noFill/>
-          <a:extLst>
-            <a:ext uri="{909E8E84-426E-40DD-AFC4-6F175D3DCCD1}">
-              <a14:hiddenFill xmlns:a14="http://schemas.microsoft.com/office/drawing/2010/main">
-                <a:solidFill>
-                  <a:srgbClr val="FFFFFF"/>
-                </a:solidFill>
-              </a14:hiddenFill>
-            </a:ext>
-          </a:extLst>
-        </p:spPr>
-      </p:pic>
     </p:spTree>
     <p:extLst>
       <p:ext uri="{BB962C8B-B14F-4D97-AF65-F5344CB8AC3E}">
-        <p14:creationId xmlns:p14="http://schemas.microsoft.com/office/powerpoint/2010/main" val="3164692518"/>
+        <p14:creationId xmlns:p14="http://schemas.microsoft.com/office/powerpoint/2010/main" val="3877702057"/>
       </p:ext>
     </p:extLst>
   </p:cSld>
@@ -6984,7 +7058,7 @@
         <p:spPr>
           <a:xfrm>
             <a:off x="902855" y="1661269"/>
-            <a:ext cx="10615808" cy="430887"/>
+            <a:ext cx="10615808" cy="769441"/>
           </a:xfrm>
           <a:prstGeom prst="rect">
             <a:avLst/>
@@ -7007,20 +7081,29 @@
                   <a:schemeClr val="bg1"/>
                 </a:solidFill>
               </a:rPr>
-              <a:t>Lab1: Property File loaded into the memory. How would you do that?</a:t>
-            </a:r>
-            <a:endParaRPr lang="en-IN" sz="2200" b="1" dirty="0">
-              <a:solidFill>
-                <a:schemeClr val="bg1"/>
-              </a:solidFill>
-            </a:endParaRPr>
+              <a:t>Lab1: Property File loaded into the memory with NLP support. How would you do that?</a:t>
+            </a:r>
+          </a:p>
+          <a:p>
+            <a:pPr marL="742950" lvl="1" indent="-285750">
+              <a:buFont typeface="Arial" panose="020B0604020202020204" pitchFamily="34" charset="0"/>
+              <a:buChar char="•"/>
+            </a:pPr>
+            <a:r>
+              <a:rPr lang="en-IN" sz="2200" b="1" dirty="0">
+                <a:solidFill>
+                  <a:schemeClr val="bg1"/>
+                </a:solidFill>
+              </a:rPr>
+              <a:t>Can be done using Factory</a:t>
+            </a:r>
           </a:p>
         </p:txBody>
       </p:sp>
     </p:spTree>
     <p:extLst>
       <p:ext uri="{BB962C8B-B14F-4D97-AF65-F5344CB8AC3E}">
-        <p14:creationId xmlns:p14="http://schemas.microsoft.com/office/powerpoint/2010/main" val="3877702057"/>
+        <p14:creationId xmlns:p14="http://schemas.microsoft.com/office/powerpoint/2010/main" val="3488177220"/>
       </p:ext>
     </p:extLst>
   </p:cSld>
@@ -7094,7 +7177,7 @@
                 </a:solidFill>
                 <a:latin typeface="+mn-lt"/>
               </a:rPr>
-              <a:t>Design Patterns</a:t>
+              <a:t>Abstract Factory</a:t>
             </a:r>
             <a:endParaRPr lang="en-IN" sz="4000" dirty="0">
               <a:solidFill>
@@ -7120,7 +7203,7 @@
         <p:spPr>
           <a:xfrm>
             <a:off x="902855" y="1661269"/>
-            <a:ext cx="10615808" cy="769441"/>
+            <a:ext cx="10615808" cy="3816429"/>
           </a:xfrm>
           <a:prstGeom prst="rect">
             <a:avLst/>
@@ -7138,16 +7221,124 @@
               <a:buChar char="•"/>
             </a:pPr>
             <a:r>
+              <a:rPr lang="en-IN" sz="2200" b="1" dirty="0">
+                <a:solidFill>
+                  <a:schemeClr val="bg1"/>
+                </a:solidFill>
+              </a:rPr>
+              <a:t>Definition</a:t>
+            </a:r>
+          </a:p>
+          <a:p>
+            <a:pPr marL="742950" lvl="1" indent="-285750">
+              <a:buFont typeface="Arial" panose="020B0604020202020204" pitchFamily="34" charset="0"/>
+              <a:buChar char="•"/>
+            </a:pPr>
+            <a:r>
               <a:rPr lang="en-US" sz="2200" b="1" dirty="0">
                 <a:solidFill>
                   <a:schemeClr val="bg1"/>
                 </a:solidFill>
               </a:rPr>
-              <a:t>Lab1: Property File loaded into the memory. How would you do that?</a:t>
-            </a:r>
-          </a:p>
-          <a:p>
-            <a:pPr marL="742950" lvl="1" indent="-285750">
+              <a:t>Abstract Factory Pattern </a:t>
+            </a:r>
+          </a:p>
+          <a:p>
+            <a:pPr marL="1200150" lvl="2" indent="-285750">
+              <a:buFont typeface="Arial" panose="020B0604020202020204" pitchFamily="34" charset="0"/>
+              <a:buChar char="•"/>
+            </a:pPr>
+            <a:r>
+              <a:rPr lang="en-US" sz="2200" b="1" dirty="0">
+                <a:solidFill>
+                  <a:schemeClr val="bg1"/>
+                </a:solidFill>
+              </a:rPr>
+              <a:t>define an interface or abstract class for </a:t>
+            </a:r>
+          </a:p>
+          <a:p>
+            <a:pPr marL="1657350" lvl="3" indent="-285750">
+              <a:buFont typeface="Arial" panose="020B0604020202020204" pitchFamily="34" charset="0"/>
+              <a:buChar char="•"/>
+            </a:pPr>
+            <a:r>
+              <a:rPr lang="en-US" sz="2200" b="1" dirty="0">
+                <a:solidFill>
+                  <a:schemeClr val="bg1"/>
+                </a:solidFill>
+              </a:rPr>
+              <a:t>creating families of related (or dependent) objects but </a:t>
+            </a:r>
+          </a:p>
+          <a:p>
+            <a:pPr marL="1657350" lvl="3" indent="-285750">
+              <a:buFont typeface="Arial" panose="020B0604020202020204" pitchFamily="34" charset="0"/>
+              <a:buChar char="•"/>
+            </a:pPr>
+            <a:r>
+              <a:rPr lang="en-US" sz="2200" b="1" dirty="0">
+                <a:solidFill>
+                  <a:schemeClr val="bg1"/>
+                </a:solidFill>
+              </a:rPr>
+              <a:t>without specifying their concrete sub-classes. </a:t>
+            </a:r>
+          </a:p>
+          <a:p>
+            <a:pPr marL="1657350" lvl="3" indent="-285750">
+              <a:buFont typeface="Arial" panose="020B0604020202020204" pitchFamily="34" charset="0"/>
+              <a:buChar char="•"/>
+            </a:pPr>
+            <a:r>
+              <a:rPr lang="en-US" sz="2200" b="1" dirty="0">
+                <a:solidFill>
+                  <a:schemeClr val="bg1"/>
+                </a:solidFill>
+              </a:rPr>
+              <a:t>Abstract Factory lets a class returns a factory of classes. </a:t>
+            </a:r>
+            <a:endParaRPr lang="en-IN" sz="2200" b="1" dirty="0">
+              <a:solidFill>
+                <a:schemeClr val="bg1"/>
+              </a:solidFill>
+            </a:endParaRPr>
+          </a:p>
+          <a:p>
+            <a:pPr marL="285750" lvl="0" indent="-285750">
+              <a:buFont typeface="Arial" panose="020B0604020202020204" pitchFamily="34" charset="0"/>
+              <a:buChar char="•"/>
+            </a:pPr>
+            <a:endParaRPr lang="en-IN" sz="2200" b="1" dirty="0">
+              <a:solidFill>
+                <a:schemeClr val="bg1"/>
+              </a:solidFill>
+            </a:endParaRPr>
+          </a:p>
+          <a:p>
+            <a:pPr marL="285750" lvl="0" indent="-285750">
+              <a:buFont typeface="Arial" panose="020B0604020202020204" pitchFamily="34" charset="0"/>
+              <a:buChar char="•"/>
+            </a:pPr>
+            <a:endParaRPr lang="en-IN" sz="2200" b="1" dirty="0">
+              <a:solidFill>
+                <a:schemeClr val="bg1"/>
+              </a:solidFill>
+            </a:endParaRPr>
+          </a:p>
+          <a:p>
+            <a:pPr marL="285750" lvl="0" indent="-285750">
+              <a:buFont typeface="Arial" panose="020B0604020202020204" pitchFamily="34" charset="0"/>
+              <a:buChar char="•"/>
+            </a:pPr>
+            <a:endParaRPr lang="en-IN" sz="2200" b="1" dirty="0">
+              <a:solidFill>
+                <a:schemeClr val="bg1"/>
+              </a:solidFill>
+            </a:endParaRPr>
+          </a:p>
+          <a:p>
+            <a:pPr marL="285750" lvl="0" indent="-285750">
               <a:buFont typeface="Arial" panose="020B0604020202020204" pitchFamily="34" charset="0"/>
               <a:buChar char="•"/>
             </a:pPr>
@@ -7157,7 +7348,21 @@
                   <a:schemeClr val="bg1"/>
                 </a:solidFill>
               </a:rPr>
-              <a:t>Can be done using Factory</a:t>
+              <a:t>Practical example</a:t>
+            </a:r>
+          </a:p>
+          <a:p>
+            <a:pPr marL="285750" lvl="0" indent="-285750">
+              <a:buFont typeface="Arial" panose="020B0604020202020204" pitchFamily="34" charset="0"/>
+              <a:buChar char="•"/>
+            </a:pPr>
+            <a:r>
+              <a:rPr lang="en-IN" sz="2200" b="1" dirty="0">
+                <a:solidFill>
+                  <a:schemeClr val="bg1"/>
+                </a:solidFill>
+              </a:rPr>
+              <a:t>Manufacturing a car</a:t>
             </a:r>
           </a:p>
         </p:txBody>
@@ -7165,7 +7370,7 @@
     </p:spTree>
     <p:extLst>
       <p:ext uri="{BB962C8B-B14F-4D97-AF65-F5344CB8AC3E}">
-        <p14:creationId xmlns:p14="http://schemas.microsoft.com/office/powerpoint/2010/main" val="3488177220"/>
+        <p14:creationId xmlns:p14="http://schemas.microsoft.com/office/powerpoint/2010/main" val="3587584538"/>
       </p:ext>
     </p:extLst>
   </p:cSld>
@@ -7239,7 +7444,7 @@
                 </a:solidFill>
                 <a:latin typeface="+mn-lt"/>
               </a:rPr>
-              <a:t>Abstract Factory</a:t>
+              <a:t>Abstract Factory Patterns</a:t>
             </a:r>
             <a:endParaRPr lang="en-IN" sz="4000" dirty="0">
               <a:solidFill>
@@ -7250,130 +7455,40 @@
           </a:p>
         </p:txBody>
       </p:sp>
-      <p:sp>
-        <p:nvSpPr>
-          <p:cNvPr id="5" name="TextBox 4">
-            <a:extLst>
-              <a:ext uri="{FF2B5EF4-FFF2-40B4-BE49-F238E27FC236}">
-                <a16:creationId xmlns:a16="http://schemas.microsoft.com/office/drawing/2014/main" id="{41E43EDA-DBB6-47B3-A7FA-105B9DB48FBB}"/>
-              </a:ext>
-            </a:extLst>
-          </p:cNvPr>
-          <p:cNvSpPr txBox="1"/>
+      <p:pic>
+        <p:nvPicPr>
+          <p:cNvPr id="3" name="Picture 2">
+            <a:extLst>
+              <a:ext uri="{FF2B5EF4-FFF2-40B4-BE49-F238E27FC236}">
+                <a16:creationId xmlns:a16="http://schemas.microsoft.com/office/drawing/2014/main" id="{E2D0BE28-F8E6-4EF6-98FA-7F18EC603680}"/>
+              </a:ext>
+            </a:extLst>
+          </p:cNvPr>
+          <p:cNvPicPr>
+            <a:picLocks noChangeAspect="1"/>
+          </p:cNvPicPr>
           <p:nvPr/>
-        </p:nvSpPr>
+        </p:nvPicPr>
+        <p:blipFill>
+          <a:blip r:embed="rId3"/>
+          <a:stretch>
+            <a:fillRect/>
+          </a:stretch>
+        </p:blipFill>
         <p:spPr>
           <a:xfrm>
-            <a:off x="902855" y="1661269"/>
-            <a:ext cx="10615808" cy="2462213"/>
+            <a:off x="697375" y="1294544"/>
+            <a:ext cx="11066538" cy="4263659"/>
           </a:xfrm>
           <a:prstGeom prst="rect">
             <a:avLst/>
           </a:prstGeom>
-          <a:noFill/>
         </p:spPr>
-        <p:txBody>
-          <a:bodyPr wrap="square" rtlCol="0">
-            <a:spAutoFit/>
-          </a:bodyPr>
-          <a:lstStyle/>
-          <a:p>
-            <a:pPr marL="285750" lvl="0" indent="-285750">
-              <a:buFont typeface="Arial" panose="020B0604020202020204" pitchFamily="34" charset="0"/>
-              <a:buChar char="•"/>
-            </a:pPr>
-            <a:r>
-              <a:rPr lang="en-IN" sz="2200" b="1" dirty="0" err="1">
-                <a:solidFill>
-                  <a:schemeClr val="bg1"/>
-                </a:solidFill>
-              </a:rPr>
-              <a:t>Defintion</a:t>
-            </a:r>
-            <a:endParaRPr lang="en-IN" sz="2200" b="1" dirty="0">
-              <a:solidFill>
-                <a:schemeClr val="bg1"/>
-              </a:solidFill>
-            </a:endParaRPr>
-          </a:p>
-          <a:p>
-            <a:pPr marL="285750" lvl="0" indent="-285750">
-              <a:buFont typeface="Arial" panose="020B0604020202020204" pitchFamily="34" charset="0"/>
-              <a:buChar char="•"/>
-            </a:pPr>
-            <a:endParaRPr lang="en-IN" sz="2200" b="1" dirty="0">
-              <a:solidFill>
-                <a:schemeClr val="bg1"/>
-              </a:solidFill>
-            </a:endParaRPr>
-          </a:p>
-          <a:p>
-            <a:pPr marL="285750" lvl="0" indent="-285750">
-              <a:buFont typeface="Arial" panose="020B0604020202020204" pitchFamily="34" charset="0"/>
-              <a:buChar char="•"/>
-            </a:pPr>
-            <a:endParaRPr lang="en-IN" sz="2200" b="1" dirty="0">
-              <a:solidFill>
-                <a:schemeClr val="bg1"/>
-              </a:solidFill>
-            </a:endParaRPr>
-          </a:p>
-          <a:p>
-            <a:pPr marL="285750" lvl="0" indent="-285750">
-              <a:buFont typeface="Arial" panose="020B0604020202020204" pitchFamily="34" charset="0"/>
-              <a:buChar char="•"/>
-            </a:pPr>
-            <a:endParaRPr lang="en-IN" sz="2200" b="1" dirty="0">
-              <a:solidFill>
-                <a:schemeClr val="bg1"/>
-              </a:solidFill>
-            </a:endParaRPr>
-          </a:p>
-          <a:p>
-            <a:pPr marL="285750" lvl="0" indent="-285750">
-              <a:buFont typeface="Arial" panose="020B0604020202020204" pitchFamily="34" charset="0"/>
-              <a:buChar char="•"/>
-            </a:pPr>
-            <a:endParaRPr lang="en-IN" sz="2200" b="1" dirty="0">
-              <a:solidFill>
-                <a:schemeClr val="bg1"/>
-              </a:solidFill>
-            </a:endParaRPr>
-          </a:p>
-          <a:p>
-            <a:pPr marL="285750" lvl="0" indent="-285750">
-              <a:buFont typeface="Arial" panose="020B0604020202020204" pitchFamily="34" charset="0"/>
-              <a:buChar char="•"/>
-            </a:pPr>
-            <a:r>
-              <a:rPr lang="en-IN" sz="2200" b="1" dirty="0">
-                <a:solidFill>
-                  <a:schemeClr val="bg1"/>
-                </a:solidFill>
-              </a:rPr>
-              <a:t>Practical example</a:t>
-            </a:r>
-          </a:p>
-          <a:p>
-            <a:pPr marL="285750" lvl="0" indent="-285750">
-              <a:buFont typeface="Arial" panose="020B0604020202020204" pitchFamily="34" charset="0"/>
-              <a:buChar char="•"/>
-            </a:pPr>
-            <a:r>
-              <a:rPr lang="en-IN" sz="2200" b="1" dirty="0">
-                <a:solidFill>
-                  <a:schemeClr val="bg1"/>
-                </a:solidFill>
-              </a:rPr>
-              <a:t>Manufacturing a car</a:t>
-            </a:r>
-          </a:p>
-        </p:txBody>
-      </p:sp>
+      </p:pic>
     </p:spTree>
     <p:extLst>
       <p:ext uri="{BB962C8B-B14F-4D97-AF65-F5344CB8AC3E}">
-        <p14:creationId xmlns:p14="http://schemas.microsoft.com/office/powerpoint/2010/main" val="3587584538"/>
+        <p14:creationId xmlns:p14="http://schemas.microsoft.com/office/powerpoint/2010/main" val="3304055124"/>
       </p:ext>
     </p:extLst>
   </p:cSld>
@@ -7460,38 +7575,55 @@
       </p:sp>
       <p:pic>
         <p:nvPicPr>
-          <p:cNvPr id="3" name="Picture 2">
-            <a:extLst>
-              <a:ext uri="{FF2B5EF4-FFF2-40B4-BE49-F238E27FC236}">
-                <a16:creationId xmlns:a16="http://schemas.microsoft.com/office/drawing/2014/main" id="{E2D0BE28-F8E6-4EF6-98FA-7F18EC603680}"/>
+          <p:cNvPr id="1026" name="Picture 2" descr="abstract factory pattern">
+            <a:extLst>
+              <a:ext uri="{FF2B5EF4-FFF2-40B4-BE49-F238E27FC236}">
+                <a16:creationId xmlns:a16="http://schemas.microsoft.com/office/drawing/2014/main" id="{6D90C73B-9480-20F6-82ED-1B6539AACB03}"/>
               </a:ext>
             </a:extLst>
           </p:cNvPr>
           <p:cNvPicPr>
-            <a:picLocks noChangeAspect="1"/>
+            <a:picLocks noChangeAspect="1" noChangeArrowheads="1"/>
           </p:cNvPicPr>
           <p:nvPr/>
         </p:nvPicPr>
         <p:blipFill>
-          <a:blip r:embed="rId3"/>
+          <a:blip r:embed="rId3">
+            <a:extLst>
+              <a:ext uri="{28A0092B-C50C-407E-A947-70E740481C1C}">
+                <a14:useLocalDpi xmlns:a14="http://schemas.microsoft.com/office/drawing/2010/main" val="0"/>
+              </a:ext>
+            </a:extLst>
+          </a:blip>
+          <a:srcRect/>
           <a:stretch>
             <a:fillRect/>
           </a:stretch>
         </p:blipFill>
-        <p:spPr>
+        <p:spPr bwMode="auto">
           <a:xfrm>
-            <a:off x="697375" y="1294544"/>
-            <a:ext cx="11066538" cy="4263659"/>
+            <a:off x="492369" y="1165609"/>
+            <a:ext cx="11264201" cy="5268529"/>
           </a:xfrm>
           <a:prstGeom prst="rect">
             <a:avLst/>
           </a:prstGeom>
+          <a:noFill/>
+          <a:extLst>
+            <a:ext uri="{909E8E84-426E-40DD-AFC4-6F175D3DCCD1}">
+              <a14:hiddenFill xmlns:a14="http://schemas.microsoft.com/office/drawing/2010/main">
+                <a:solidFill>
+                  <a:srgbClr val="FFFFFF"/>
+                </a:solidFill>
+              </a14:hiddenFill>
+            </a:ext>
+          </a:extLst>
         </p:spPr>
       </p:pic>
     </p:spTree>
     <p:extLst>
       <p:ext uri="{BB962C8B-B14F-4D97-AF65-F5344CB8AC3E}">
-        <p14:creationId xmlns:p14="http://schemas.microsoft.com/office/powerpoint/2010/main" val="3304055124"/>
+        <p14:creationId xmlns:p14="http://schemas.microsoft.com/office/powerpoint/2010/main" val="3512495381"/>
       </p:ext>
     </p:extLst>
   </p:cSld>
@@ -7591,7 +7723,7 @@
         <p:spPr>
           <a:xfrm>
             <a:off x="902855" y="1661269"/>
-            <a:ext cx="10615808" cy="1785104"/>
+            <a:ext cx="10615808" cy="3477875"/>
           </a:xfrm>
           <a:prstGeom prst="rect">
             <a:avLst/>
@@ -7615,6 +7747,76 @@
                 </a:solidFill>
               </a:rPr>
               <a:t>Definition</a:t>
+            </a:r>
+          </a:p>
+          <a:p>
+            <a:pPr marL="742950" lvl="1" indent="-285750">
+              <a:buFont typeface="Arial" panose="020B0604020202020204" pitchFamily="34" charset="0"/>
+              <a:buChar char="•"/>
+            </a:pPr>
+            <a:r>
+              <a:rPr lang="en-US" sz="2200" b="1" dirty="0">
+                <a:solidFill>
+                  <a:schemeClr val="bg1"/>
+                </a:solidFill>
+              </a:rPr>
+              <a:t>The singleton pattern is used to limit creation of a class to only one object. </a:t>
+            </a:r>
+          </a:p>
+          <a:p>
+            <a:pPr marL="742950" lvl="1" indent="-285750">
+              <a:buFont typeface="Arial" panose="020B0604020202020204" pitchFamily="34" charset="0"/>
+              <a:buChar char="•"/>
+            </a:pPr>
+            <a:r>
+              <a:rPr lang="en-US" sz="2200" b="1" dirty="0">
+                <a:solidFill>
+                  <a:schemeClr val="bg1"/>
+                </a:solidFill>
+              </a:rPr>
+              <a:t>E.g. </a:t>
+            </a:r>
+          </a:p>
+          <a:p>
+            <a:pPr marL="1200150" lvl="2" indent="-285750">
+              <a:buFont typeface="Arial" panose="020B0604020202020204" pitchFamily="34" charset="0"/>
+              <a:buChar char="•"/>
+            </a:pPr>
+            <a:r>
+              <a:rPr lang="en-US" sz="2200" b="1" dirty="0">
+                <a:solidFill>
+                  <a:schemeClr val="bg1"/>
+                </a:solidFill>
+              </a:rPr>
+              <a:t>caches, </a:t>
+            </a:r>
+          </a:p>
+          <a:p>
+            <a:pPr marL="1200150" lvl="2" indent="-285750">
+              <a:buFont typeface="Arial" panose="020B0604020202020204" pitchFamily="34" charset="0"/>
+              <a:buChar char="•"/>
+            </a:pPr>
+            <a:r>
+              <a:rPr lang="en-US" sz="2200" b="1" dirty="0">
+                <a:solidFill>
+                  <a:schemeClr val="bg1"/>
+                </a:solidFill>
+              </a:rPr>
+              <a:t>thread pools, and </a:t>
+            </a:r>
+          </a:p>
+          <a:p>
+            <a:pPr marL="1200150" lvl="2" indent="-285750">
+              <a:buFont typeface="Arial" panose="020B0604020202020204" pitchFamily="34" charset="0"/>
+              <a:buChar char="•"/>
+            </a:pPr>
+            <a:r>
+              <a:rPr lang="en-US" sz="2200" b="1" dirty="0">
+                <a:solidFill>
+                  <a:schemeClr val="bg1"/>
+                </a:solidFill>
+              </a:rPr>
+              <a:t>registries.</a:t>
             </a:r>
           </a:p>
           <a:p>
@@ -8137,7 +8339,7 @@
         <p:spPr>
           <a:xfrm>
             <a:off x="902855" y="1661269"/>
-            <a:ext cx="10615808" cy="4493538"/>
+            <a:ext cx="10615808" cy="5170646"/>
           </a:xfrm>
           <a:prstGeom prst="rect">
             <a:avLst/>
@@ -8168,6 +8370,48 @@
               <a:buFont typeface="Arial" panose="020B0604020202020204" pitchFamily="34" charset="0"/>
               <a:buChar char="•"/>
             </a:pPr>
+            <a:r>
+              <a:rPr lang="en-IN" sz="2200" b="1" dirty="0">
+                <a:solidFill>
+                  <a:schemeClr val="bg1"/>
+                </a:solidFill>
+              </a:rPr>
+              <a:t>Defines a family of algorithm </a:t>
+            </a:r>
+          </a:p>
+          <a:p>
+            <a:pPr marL="742950" lvl="1" indent="-285750">
+              <a:buFont typeface="Arial" panose="020B0604020202020204" pitchFamily="34" charset="0"/>
+              <a:buChar char="•"/>
+            </a:pPr>
+            <a:r>
+              <a:rPr lang="en-IN" sz="2200" b="1" dirty="0">
+                <a:solidFill>
+                  <a:schemeClr val="bg1"/>
+                </a:solidFill>
+              </a:rPr>
+              <a:t>Encapsulates each one of them</a:t>
+            </a:r>
+          </a:p>
+          <a:p>
+            <a:pPr marL="742950" lvl="1" indent="-285750">
+              <a:buFont typeface="Arial" panose="020B0604020202020204" pitchFamily="34" charset="0"/>
+              <a:buChar char="•"/>
+            </a:pPr>
+            <a:r>
+              <a:rPr lang="en-IN" sz="2200" b="1" dirty="0">
+                <a:solidFill>
+                  <a:schemeClr val="bg1"/>
+                </a:solidFill>
+              </a:rPr>
+              <a:t>Make them interchangeable</a:t>
+            </a:r>
+          </a:p>
+          <a:p>
+            <a:pPr marL="285750" lvl="0" indent="-285750">
+              <a:buFont typeface="Arial" panose="020B0604020202020204" pitchFamily="34" charset="0"/>
+              <a:buChar char="•"/>
+            </a:pPr>
             <a:endParaRPr lang="en-IN" sz="2200" b="1" dirty="0">
               <a:solidFill>
                 <a:schemeClr val="bg1"/>
@@ -8179,22 +8423,14 @@
               <a:buFont typeface="Arial" panose="020B0604020202020204" pitchFamily="34" charset="0"/>
               <a:buChar char="•"/>
             </a:pPr>
-            <a:endParaRPr lang="en-IN" sz="2200" b="1" dirty="0">
-              <a:solidFill>
-                <a:schemeClr val="bg1"/>
-              </a:solidFill>
-            </a:endParaRPr>
-          </a:p>
-          <a:p>
-            <a:pPr marL="285750" lvl="0" indent="-285750">
-              <a:buFont typeface="Arial" panose="020B0604020202020204" pitchFamily="34" charset="0"/>
-              <a:buChar char="•"/>
-            </a:pPr>
-            <a:endParaRPr lang="en-IN" sz="2200" b="1" dirty="0">
-              <a:solidFill>
-                <a:schemeClr val="bg1"/>
-              </a:solidFill>
-            </a:endParaRPr>
+            <a:r>
+              <a:rPr lang="en-IN" sz="2200" b="1" dirty="0">
+                <a:solidFill>
+                  <a:schemeClr val="bg1"/>
+                </a:solidFill>
+              </a:rPr>
+              <a:t>Strategy lets the algorithm vary independent of the clients that uses them.</a:t>
+            </a:r>
           </a:p>
           <a:p>
             <a:pPr marL="285750" lvl="0" indent="-285750">
@@ -8362,7 +8598,7 @@
         <p:spPr>
           <a:xfrm>
             <a:off x="902855" y="1661269"/>
-            <a:ext cx="10615808" cy="430887"/>
+            <a:ext cx="15133776" cy="430887"/>
           </a:xfrm>
           <a:prstGeom prst="rect">
             <a:avLst/>
@@ -8385,11 +8621,58 @@
                   <a:schemeClr val="bg1"/>
                 </a:solidFill>
               </a:rPr>
-              <a:t>as</a:t>
-            </a:r>
-          </a:p>
-        </p:txBody>
-      </p:sp>
+              <a:t>a</a:t>
+            </a:r>
+          </a:p>
+        </p:txBody>
+      </p:sp>
+      <p:pic>
+        <p:nvPicPr>
+          <p:cNvPr id="2050" name="Picture 2" descr="Strategy Pattern UML Diagram">
+            <a:extLst>
+              <a:ext uri="{FF2B5EF4-FFF2-40B4-BE49-F238E27FC236}">
+                <a16:creationId xmlns:a16="http://schemas.microsoft.com/office/drawing/2014/main" id="{4F78B6DF-9CCD-1F36-70BD-BA5CF6CD29AB}"/>
+              </a:ext>
+            </a:extLst>
+          </p:cNvPr>
+          <p:cNvPicPr>
+            <a:picLocks noChangeAspect="1" noChangeArrowheads="1"/>
+          </p:cNvPicPr>
+          <p:nvPr/>
+        </p:nvPicPr>
+        <p:blipFill>
+          <a:blip r:embed="rId3">
+            <a:extLst>
+              <a:ext uri="{28A0092B-C50C-407E-A947-70E740481C1C}">
+                <a14:useLocalDpi xmlns:a14="http://schemas.microsoft.com/office/drawing/2010/main" val="0"/>
+              </a:ext>
+            </a:extLst>
+          </a:blip>
+          <a:srcRect/>
+          <a:stretch>
+            <a:fillRect/>
+          </a:stretch>
+        </p:blipFill>
+        <p:spPr bwMode="auto">
+          <a:xfrm>
+            <a:off x="517489" y="1432702"/>
+            <a:ext cx="11021669" cy="5040834"/>
+          </a:xfrm>
+          <a:prstGeom prst="rect">
+            <a:avLst/>
+          </a:prstGeom>
+          <a:noFill/>
+          <a:extLst>
+            <a:ext uri="{909E8E84-426E-40DD-AFC4-6F175D3DCCD1}">
+              <a14:hiddenFill xmlns:a14="http://schemas.microsoft.com/office/drawing/2010/main">
+                <a:solidFill>
+                  <a:srgbClr val="FFFFFF"/>
+                </a:solidFill>
+              </a14:hiddenFill>
+            </a:ext>
+          </a:extLst>
+        </p:spPr>
+      </p:pic>
     </p:spTree>
     <p:extLst>
       <p:ext uri="{BB962C8B-B14F-4D97-AF65-F5344CB8AC3E}">
@@ -8467,7 +8750,7 @@
                 </a:solidFill>
                 <a:latin typeface="+mn-lt"/>
               </a:rPr>
-              <a:t>Observer</a:t>
+              <a:t>Strategy</a:t>
             </a:r>
             <a:endParaRPr lang="en-IN" sz="4000" dirty="0">
               <a:solidFill>
@@ -8493,7 +8776,7 @@
         <p:spPr>
           <a:xfrm>
             <a:off x="902855" y="1661269"/>
-            <a:ext cx="10615808" cy="4493538"/>
+            <a:ext cx="10615808" cy="2462213"/>
           </a:xfrm>
           <a:prstGeom prst="rect">
             <a:avLst/>
@@ -8511,12 +8794,12 @@
               <a:buChar char="•"/>
             </a:pPr>
             <a:r>
-              <a:rPr lang="en-US" sz="2200" b="1" dirty="0">
-                <a:solidFill>
-                  <a:schemeClr val="bg1"/>
-                </a:solidFill>
-              </a:rPr>
-              <a:t>Definition</a:t>
+              <a:rPr lang="en-IN" sz="2200" b="1" dirty="0">
+                <a:solidFill>
+                  <a:schemeClr val="bg1"/>
+                </a:solidFill>
+              </a:rPr>
+              <a:t>Definition: </a:t>
             </a:r>
           </a:p>
           <a:p>
@@ -8524,137 +8807,85 @@
               <a:buFont typeface="Arial" panose="020B0604020202020204" pitchFamily="34" charset="0"/>
               <a:buChar char="•"/>
             </a:pPr>
-            <a:endParaRPr lang="en-US" sz="2200" b="1" dirty="0">
-              <a:solidFill>
-                <a:schemeClr val="bg1"/>
-              </a:solidFill>
-            </a:endParaRPr>
-          </a:p>
-          <a:p>
-            <a:pPr marL="285750" lvl="0" indent="-285750">
-              <a:buFont typeface="Arial" panose="020B0604020202020204" pitchFamily="34" charset="0"/>
-              <a:buChar char="•"/>
-            </a:pPr>
-            <a:endParaRPr lang="en-US" sz="2200" b="1" dirty="0">
-              <a:solidFill>
-                <a:schemeClr val="bg1"/>
-              </a:solidFill>
-            </a:endParaRPr>
-          </a:p>
-          <a:p>
-            <a:pPr marL="285750" lvl="0" indent="-285750">
-              <a:buFont typeface="Arial" panose="020B0604020202020204" pitchFamily="34" charset="0"/>
-              <a:buChar char="•"/>
-            </a:pPr>
-            <a:endParaRPr lang="en-US" sz="2200" b="1" dirty="0">
-              <a:solidFill>
-                <a:schemeClr val="bg1"/>
-              </a:solidFill>
-            </a:endParaRPr>
-          </a:p>
-          <a:p>
-            <a:pPr marL="285750" lvl="0" indent="-285750">
-              <a:buFont typeface="Arial" panose="020B0604020202020204" pitchFamily="34" charset="0"/>
-              <a:buChar char="•"/>
-            </a:pPr>
-            <a:endParaRPr lang="en-US" sz="2200" b="1" dirty="0">
-              <a:solidFill>
-                <a:schemeClr val="bg1"/>
-              </a:solidFill>
-            </a:endParaRPr>
-          </a:p>
-          <a:p>
-            <a:pPr marL="285750" lvl="0" indent="-285750">
-              <a:buFont typeface="Arial" panose="020B0604020202020204" pitchFamily="34" charset="0"/>
-              <a:buChar char="•"/>
-            </a:pPr>
-            <a:r>
-              <a:rPr lang="en-US" sz="2200" b="1" dirty="0">
-                <a:solidFill>
-                  <a:schemeClr val="bg1"/>
-                </a:solidFill>
-              </a:rPr>
-              <a:t>Practical example</a:t>
-            </a:r>
-          </a:p>
-          <a:p>
-            <a:pPr marL="285750" lvl="0" indent="-285750">
-              <a:buFont typeface="Arial" panose="020B0604020202020204" pitchFamily="34" charset="0"/>
-              <a:buChar char="•"/>
-            </a:pPr>
             <a:r>
               <a:rPr lang="en-IN" sz="2200" b="1" dirty="0">
                 <a:solidFill>
                   <a:schemeClr val="bg1"/>
                 </a:solidFill>
               </a:rPr>
-              <a:t>Job seekers subscribing to a job portal site. Would be intimated when there is a matching job.</a:t>
-            </a:r>
-          </a:p>
-          <a:p>
-            <a:pPr marL="285750" lvl="0" indent="-285750">
-              <a:buFont typeface="Arial" panose="020B0604020202020204" pitchFamily="34" charset="0"/>
-              <a:buChar char="•"/>
-            </a:pPr>
+              <a:t>E.g. calculator – does</a:t>
+            </a:r>
+          </a:p>
+          <a:p>
+            <a:pPr marL="742950" lvl="1" indent="-285750">
+              <a:buFont typeface="Arial" panose="020B0604020202020204" pitchFamily="34" charset="0"/>
+              <a:buChar char="•"/>
+            </a:pPr>
+            <a:r>
+              <a:rPr lang="en-IN" sz="2200" b="1" dirty="0">
+                <a:solidFill>
+                  <a:schemeClr val="bg1"/>
+                </a:solidFill>
+              </a:rPr>
+              <a:t>Addition</a:t>
+            </a:r>
+          </a:p>
+          <a:p>
+            <a:pPr marL="742950" lvl="1" indent="-285750">
+              <a:buFont typeface="Arial" panose="020B0604020202020204" pitchFamily="34" charset="0"/>
+              <a:buChar char="•"/>
+            </a:pPr>
+            <a:r>
+              <a:rPr lang="en-IN" sz="2200" b="1" dirty="0">
+                <a:solidFill>
+                  <a:schemeClr val="bg1"/>
+                </a:solidFill>
+              </a:rPr>
+              <a:t>Subtraction</a:t>
+            </a:r>
+          </a:p>
+          <a:p>
+            <a:pPr marL="742950" lvl="1" indent="-285750">
+              <a:buFont typeface="Arial" panose="020B0604020202020204" pitchFamily="34" charset="0"/>
+              <a:buChar char="•"/>
+            </a:pPr>
+            <a:r>
+              <a:rPr lang="en-IN" sz="2200" b="1" dirty="0">
+                <a:solidFill>
+                  <a:schemeClr val="bg1"/>
+                </a:solidFill>
+              </a:rPr>
+              <a:t>Multiplication </a:t>
+            </a:r>
+          </a:p>
+          <a:p>
+            <a:pPr marL="742950" lvl="1" indent="-285750">
+              <a:buFont typeface="Arial" panose="020B0604020202020204" pitchFamily="34" charset="0"/>
+              <a:buChar char="•"/>
+            </a:pPr>
+            <a:r>
+              <a:rPr lang="en-IN" sz="2200" b="1" dirty="0">
+                <a:solidFill>
+                  <a:schemeClr val="bg1"/>
+                </a:solidFill>
+              </a:rPr>
+              <a:t>Division</a:t>
+            </a:r>
+          </a:p>
+          <a:p>
+            <a:pPr lvl="1"/>
             <a:endParaRPr lang="en-IN" sz="2200" b="1" dirty="0">
               <a:solidFill>
                 <a:schemeClr val="bg1"/>
               </a:solidFill>
             </a:endParaRPr>
           </a:p>
-          <a:p>
-            <a:pPr marL="285750" lvl="0" indent="-285750">
-              <a:buFont typeface="Arial" panose="020B0604020202020204" pitchFamily="34" charset="0"/>
-              <a:buChar char="•"/>
-            </a:pPr>
-            <a:r>
-              <a:rPr lang="en-IN" sz="2200" b="1" dirty="0">
-                <a:solidFill>
-                  <a:schemeClr val="bg1"/>
-                </a:solidFill>
-              </a:rPr>
-              <a:t>New paper subscribers.</a:t>
-            </a:r>
-          </a:p>
-          <a:p>
-            <a:pPr marL="742950" lvl="1" indent="-285750">
-              <a:buFont typeface="Arial" panose="020B0604020202020204" pitchFamily="34" charset="0"/>
-              <a:buChar char="•"/>
-            </a:pPr>
-            <a:endParaRPr lang="en-IN" sz="2200" b="1" dirty="0">
-              <a:solidFill>
-                <a:schemeClr val="bg1"/>
-              </a:solidFill>
-            </a:endParaRPr>
-          </a:p>
-          <a:p>
-            <a:pPr marL="742950" lvl="1" indent="-285750">
-              <a:buFont typeface="Arial" panose="020B0604020202020204" pitchFamily="34" charset="0"/>
-              <a:buChar char="•"/>
-            </a:pPr>
-            <a:endParaRPr lang="en-IN" sz="2200" b="1" dirty="0">
-              <a:solidFill>
-                <a:schemeClr val="bg1"/>
-              </a:solidFill>
-            </a:endParaRPr>
-          </a:p>
-          <a:p>
-            <a:pPr marL="742950" lvl="1" indent="-285750">
-              <a:buFont typeface="Arial" panose="020B0604020202020204" pitchFamily="34" charset="0"/>
-              <a:buChar char="•"/>
-            </a:pPr>
-            <a:endParaRPr lang="en-IN" sz="2200" b="1" dirty="0">
-              <a:solidFill>
-                <a:schemeClr val="bg1"/>
-              </a:solidFill>
-            </a:endParaRPr>
-          </a:p>
         </p:txBody>
       </p:sp>
     </p:spTree>
     <p:extLst>
       <p:ext uri="{BB962C8B-B14F-4D97-AF65-F5344CB8AC3E}">
-        <p14:creationId xmlns:p14="http://schemas.microsoft.com/office/powerpoint/2010/main" val="69224148"/>
+        <p14:creationId xmlns:p14="http://schemas.microsoft.com/office/powerpoint/2010/main" val="1163409156"/>
       </p:ext>
     </p:extLst>
   </p:cSld>
@@ -8754,7 +8985,7 @@
         <p:spPr>
           <a:xfrm>
             <a:off x="902855" y="1661269"/>
-            <a:ext cx="10615808" cy="430887"/>
+            <a:ext cx="10615808" cy="6186309"/>
           </a:xfrm>
           <a:prstGeom prst="rect">
             <a:avLst/>
@@ -8772,25 +9003,292 @@
               <a:buChar char="•"/>
             </a:pPr>
             <a:r>
-              <a:rPr lang="en-IN" sz="2200" b="1" dirty="0" err="1">
-                <a:solidFill>
-                  <a:schemeClr val="bg1"/>
-                </a:solidFill>
-              </a:rPr>
-              <a:t>asd</a:t>
-            </a:r>
+              <a:rPr lang="en-US" sz="2200" b="1" dirty="0">
+                <a:solidFill>
+                  <a:schemeClr val="bg1"/>
+                </a:solidFill>
+              </a:rPr>
+              <a:t>Definition</a:t>
+            </a:r>
+          </a:p>
+          <a:p>
+            <a:pPr marL="285750" lvl="0" indent="-285750">
+              <a:buFont typeface="Arial" panose="020B0604020202020204" pitchFamily="34" charset="0"/>
+              <a:buChar char="•"/>
+            </a:pPr>
+            <a:r>
+              <a:rPr lang="en-US" sz="2200" b="1" dirty="0">
+                <a:solidFill>
+                  <a:schemeClr val="bg1"/>
+                </a:solidFill>
+              </a:rPr>
+              <a:t>An </a:t>
+            </a:r>
+            <a:r>
+              <a:rPr lang="en-US" sz="2200" b="1" dirty="0">
+                <a:solidFill>
+                  <a:schemeClr val="bg1"/>
+                </a:solidFill>
+                <a:hlinkClick r:id="rId3" tooltip="Object (computer science)">
+                  <a:extLst>
+                    <a:ext uri="{A12FA001-AC4F-418D-AE19-62706E023703}">
+                      <ahyp:hlinkClr xmlns:ahyp="http://schemas.microsoft.com/office/drawing/2018/hyperlinkcolor" val="tx"/>
+                    </a:ext>
+                  </a:extLst>
+                </a:hlinkClick>
+              </a:rPr>
+              <a:t>object</a:t>
+            </a:r>
+            <a:r>
+              <a:rPr lang="en-US" sz="2200" b="1" dirty="0">
+                <a:solidFill>
+                  <a:schemeClr val="bg1"/>
+                </a:solidFill>
+              </a:rPr>
+              <a:t>, </a:t>
+            </a:r>
+          </a:p>
+          <a:p>
+            <a:pPr marL="742950" lvl="1" indent="-285750">
+              <a:buFont typeface="Arial" panose="020B0604020202020204" pitchFamily="34" charset="0"/>
+              <a:buChar char="•"/>
+            </a:pPr>
+            <a:r>
+              <a:rPr lang="en-US" sz="2200" b="1" dirty="0">
+                <a:solidFill>
+                  <a:schemeClr val="bg1"/>
+                </a:solidFill>
+              </a:rPr>
+              <a:t>named the subject, </a:t>
+            </a:r>
+          </a:p>
+          <a:p>
+            <a:pPr marL="285750" lvl="0" indent="-285750">
+              <a:buFont typeface="Arial" panose="020B0604020202020204" pitchFamily="34" charset="0"/>
+              <a:buChar char="•"/>
+            </a:pPr>
+            <a:r>
+              <a:rPr lang="en-US" sz="2200" b="1" dirty="0">
+                <a:solidFill>
+                  <a:schemeClr val="bg1"/>
+                </a:solidFill>
+              </a:rPr>
+              <a:t>maintains a list of its dependents, </a:t>
+            </a:r>
+          </a:p>
+          <a:p>
+            <a:pPr marL="742950" lvl="1" indent="-285750">
+              <a:buFont typeface="Arial" panose="020B0604020202020204" pitchFamily="34" charset="0"/>
+              <a:buChar char="•"/>
+            </a:pPr>
+            <a:r>
+              <a:rPr lang="en-US" sz="2200" b="1" dirty="0">
+                <a:solidFill>
+                  <a:schemeClr val="bg1"/>
+                </a:solidFill>
+              </a:rPr>
+              <a:t>called observers, </a:t>
+            </a:r>
+          </a:p>
+          <a:p>
+            <a:pPr marL="742950" lvl="1" indent="-285750">
+              <a:buFont typeface="Arial" panose="020B0604020202020204" pitchFamily="34" charset="0"/>
+              <a:buChar char="•"/>
+            </a:pPr>
+            <a:r>
+              <a:rPr lang="en-US" sz="2200" b="1" dirty="0">
+                <a:solidFill>
+                  <a:schemeClr val="bg1"/>
+                </a:solidFill>
+              </a:rPr>
+              <a:t>notifies them automatically of any </a:t>
+            </a:r>
+            <a:r>
+              <a:rPr lang="en-US" sz="2200" b="1" dirty="0">
+                <a:solidFill>
+                  <a:schemeClr val="bg1"/>
+                </a:solidFill>
+                <a:hlinkClick r:id="rId4" tooltip="Event (computing)">
+                  <a:extLst>
+                    <a:ext uri="{A12FA001-AC4F-418D-AE19-62706E023703}">
+                      <ahyp:hlinkClr xmlns:ahyp="http://schemas.microsoft.com/office/drawing/2018/hyperlinkcolor" val="tx"/>
+                    </a:ext>
+                  </a:extLst>
+                </a:hlinkClick>
+              </a:rPr>
+              <a:t>state changes</a:t>
+            </a:r>
+            <a:r>
+              <a:rPr lang="en-US" sz="2200" b="1" dirty="0">
+                <a:solidFill>
+                  <a:schemeClr val="bg1"/>
+                </a:solidFill>
+              </a:rPr>
+              <a:t>, </a:t>
+            </a:r>
+          </a:p>
+          <a:p>
+            <a:pPr marL="1200150" lvl="2" indent="-285750">
+              <a:buFont typeface="Arial" panose="020B0604020202020204" pitchFamily="34" charset="0"/>
+              <a:buChar char="•"/>
+            </a:pPr>
+            <a:r>
+              <a:rPr lang="en-US" sz="2200" b="1" dirty="0">
+                <a:solidFill>
+                  <a:schemeClr val="bg1"/>
+                </a:solidFill>
+              </a:rPr>
+              <a:t>usually by calling one of their </a:t>
+            </a:r>
+            <a:r>
+              <a:rPr lang="en-US" sz="2200" b="1" dirty="0">
+                <a:solidFill>
+                  <a:schemeClr val="bg1"/>
+                </a:solidFill>
+                <a:hlinkClick r:id="rId5" tooltip="Method (computer science)">
+                  <a:extLst>
+                    <a:ext uri="{A12FA001-AC4F-418D-AE19-62706E023703}">
+                      <ahyp:hlinkClr xmlns:ahyp="http://schemas.microsoft.com/office/drawing/2018/hyperlinkcolor" val="tx"/>
+                    </a:ext>
+                  </a:extLst>
+                </a:hlinkClick>
+              </a:rPr>
+              <a:t>methods</a:t>
+            </a:r>
+            <a:r>
+              <a:rPr lang="en-US" sz="2200" b="1" dirty="0">
+                <a:solidFill>
+                  <a:schemeClr val="bg1"/>
+                </a:solidFill>
+              </a:rPr>
+              <a:t>.</a:t>
+            </a:r>
+          </a:p>
+          <a:p>
+            <a:pPr marL="285750" lvl="0" indent="-285750">
+              <a:buFont typeface="Arial" panose="020B0604020202020204" pitchFamily="34" charset="0"/>
+              <a:buChar char="•"/>
+            </a:pPr>
+            <a:endParaRPr lang="en-US" sz="2200" b="1" dirty="0">
+              <a:solidFill>
+                <a:schemeClr val="bg1"/>
+              </a:solidFill>
+            </a:endParaRPr>
+          </a:p>
+          <a:p>
+            <a:pPr marL="285750" lvl="0" indent="-285750">
+              <a:buFont typeface="Arial" panose="020B0604020202020204" pitchFamily="34" charset="0"/>
+              <a:buChar char="•"/>
+            </a:pPr>
+            <a:endParaRPr lang="en-US" sz="2200" b="1" dirty="0">
+              <a:solidFill>
+                <a:schemeClr val="bg1"/>
+              </a:solidFill>
+            </a:endParaRPr>
+          </a:p>
+          <a:p>
+            <a:pPr marL="285750" lvl="0" indent="-285750">
+              <a:buFont typeface="Arial" panose="020B0604020202020204" pitchFamily="34" charset="0"/>
+              <a:buChar char="•"/>
+            </a:pPr>
+            <a:endParaRPr lang="en-US" sz="2200" b="1" dirty="0">
+              <a:solidFill>
+                <a:schemeClr val="bg1"/>
+              </a:solidFill>
+            </a:endParaRPr>
+          </a:p>
+          <a:p>
+            <a:pPr marL="285750" lvl="0" indent="-285750">
+              <a:buFont typeface="Arial" panose="020B0604020202020204" pitchFamily="34" charset="0"/>
+              <a:buChar char="•"/>
+            </a:pPr>
+            <a:r>
+              <a:rPr lang="en-US" sz="2200" b="1" dirty="0">
+                <a:solidFill>
+                  <a:schemeClr val="bg1"/>
+                </a:solidFill>
+              </a:rPr>
+              <a:t>Practical example</a:t>
+            </a:r>
+          </a:p>
+          <a:p>
+            <a:pPr marL="285750" lvl="0" indent="-285750">
+              <a:buFont typeface="Arial" panose="020B0604020202020204" pitchFamily="34" charset="0"/>
+              <a:buChar char="•"/>
+            </a:pPr>
+            <a:r>
+              <a:rPr lang="en-IN" sz="2200" b="1" dirty="0">
+                <a:solidFill>
+                  <a:schemeClr val="bg1"/>
+                </a:solidFill>
+              </a:rPr>
+              <a:t>Job seekers subscribing to a job portal site. Would be intimated when there is a matching job.</a:t>
+            </a:r>
+          </a:p>
+          <a:p>
+            <a:pPr marL="285750" lvl="0" indent="-285750">
+              <a:buFont typeface="Arial" panose="020B0604020202020204" pitchFamily="34" charset="0"/>
+              <a:buChar char="•"/>
+            </a:pPr>
             <a:endParaRPr lang="en-IN" sz="2200" b="1" dirty="0">
               <a:solidFill>
                 <a:schemeClr val="bg1"/>
               </a:solidFill>
             </a:endParaRPr>
           </a:p>
+          <a:p>
+            <a:pPr marL="285750" lvl="0" indent="-285750">
+              <a:buFont typeface="Arial" panose="020B0604020202020204" pitchFamily="34" charset="0"/>
+              <a:buChar char="•"/>
+            </a:pPr>
+            <a:r>
+              <a:rPr lang="en-IN" sz="2200" b="1" dirty="0">
+                <a:solidFill>
+                  <a:schemeClr val="bg1"/>
+                </a:solidFill>
+              </a:rPr>
+              <a:t>New paper subscribers.</a:t>
+            </a:r>
+          </a:p>
+          <a:p>
+            <a:pPr marL="742950" lvl="1" indent="-285750">
+              <a:buFont typeface="Arial" panose="020B0604020202020204" pitchFamily="34" charset="0"/>
+              <a:buChar char="•"/>
+            </a:pPr>
+            <a:endParaRPr lang="en-IN" sz="2200" b="1" dirty="0">
+              <a:solidFill>
+                <a:schemeClr val="bg1"/>
+              </a:solidFill>
+            </a:endParaRPr>
+          </a:p>
+          <a:p>
+            <a:pPr marL="742950" lvl="1" indent="-285750">
+              <a:buFont typeface="Arial" panose="020B0604020202020204" pitchFamily="34" charset="0"/>
+              <a:buChar char="•"/>
+            </a:pPr>
+            <a:endParaRPr lang="en-IN" sz="2200" b="1" dirty="0">
+              <a:solidFill>
+                <a:schemeClr val="bg1"/>
+              </a:solidFill>
+            </a:endParaRPr>
+          </a:p>
+          <a:p>
+            <a:pPr marL="742950" lvl="1" indent="-285750">
+              <a:buFont typeface="Arial" panose="020B0604020202020204" pitchFamily="34" charset="0"/>
+              <a:buChar char="•"/>
+            </a:pPr>
+            <a:endParaRPr lang="en-IN" sz="2200" b="1" dirty="0">
+              <a:solidFill>
+                <a:schemeClr val="bg1"/>
+              </a:solidFill>
+            </a:endParaRPr>
+          </a:p>
         </p:txBody>
       </p:sp>
     </p:spTree>
     <p:extLst>
       <p:ext uri="{BB962C8B-B14F-4D97-AF65-F5344CB8AC3E}">
-        <p14:creationId xmlns:p14="http://schemas.microsoft.com/office/powerpoint/2010/main" val="15454557"/>
+        <p14:creationId xmlns:p14="http://schemas.microsoft.com/office/powerpoint/2010/main" val="69224148"/>
       </p:ext>
     </p:extLst>
   </p:cSld>
@@ -8864,7 +9362,7 @@
                 </a:solidFill>
                 <a:latin typeface="+mn-lt"/>
               </a:rPr>
-              <a:t>Proxy</a:t>
+              <a:t>Observer</a:t>
             </a:r>
             <a:endParaRPr lang="en-IN" sz="4000" dirty="0">
               <a:solidFill>
@@ -8889,8 +9387,8 @@
         </p:nvSpPr>
         <p:spPr>
           <a:xfrm>
-            <a:off x="902855" y="1661269"/>
-            <a:ext cx="10615808" cy="3477875"/>
+            <a:off x="693336" y="1661269"/>
+            <a:ext cx="10825327" cy="430887"/>
           </a:xfrm>
           <a:prstGeom prst="rect">
             <a:avLst/>
@@ -8913,126 +9411,62 @@
                   <a:schemeClr val="bg1"/>
                 </a:solidFill>
               </a:rPr>
-              <a:t>Definition:</a:t>
-            </a:r>
-          </a:p>
-          <a:p>
-            <a:pPr marL="285750" lvl="0" indent="-285750">
-              <a:buFont typeface="Arial" panose="020B0604020202020204" pitchFamily="34" charset="0"/>
-              <a:buChar char="•"/>
-            </a:pPr>
-            <a:endParaRPr lang="en-IN" sz="2200" b="1" dirty="0">
-              <a:solidFill>
-                <a:schemeClr val="bg1"/>
-              </a:solidFill>
-            </a:endParaRPr>
-          </a:p>
-          <a:p>
-            <a:pPr marL="285750" lvl="0" indent="-285750">
-              <a:buFont typeface="Arial" panose="020B0604020202020204" pitchFamily="34" charset="0"/>
-              <a:buChar char="•"/>
-            </a:pPr>
-            <a:endParaRPr lang="en-IN" sz="2200" b="1" dirty="0">
-              <a:solidFill>
-                <a:schemeClr val="bg1"/>
-              </a:solidFill>
-            </a:endParaRPr>
-          </a:p>
-          <a:p>
-            <a:pPr marL="285750" lvl="0" indent="-285750">
-              <a:buFont typeface="Arial" panose="020B0604020202020204" pitchFamily="34" charset="0"/>
-              <a:buChar char="•"/>
-            </a:pPr>
-            <a:endParaRPr lang="en-IN" sz="2200" b="1" dirty="0">
-              <a:solidFill>
-                <a:schemeClr val="bg1"/>
-              </a:solidFill>
-            </a:endParaRPr>
-          </a:p>
-          <a:p>
-            <a:pPr marL="285750" lvl="0" indent="-285750">
-              <a:buFont typeface="Arial" panose="020B0604020202020204" pitchFamily="34" charset="0"/>
-              <a:buChar char="•"/>
-            </a:pPr>
-            <a:endParaRPr lang="en-IN" sz="2200" b="1" dirty="0">
-              <a:solidFill>
-                <a:schemeClr val="bg1"/>
-              </a:solidFill>
-            </a:endParaRPr>
-          </a:p>
-          <a:p>
-            <a:pPr marL="285750" lvl="0" indent="-285750">
-              <a:buFont typeface="Arial" panose="020B0604020202020204" pitchFamily="34" charset="0"/>
-              <a:buChar char="•"/>
-            </a:pPr>
-            <a:r>
-              <a:rPr lang="en-IN" sz="2200" b="1" dirty="0">
-                <a:solidFill>
-                  <a:schemeClr val="bg1"/>
-                </a:solidFill>
-              </a:rPr>
-              <a:t>Practical example</a:t>
-            </a:r>
-          </a:p>
-          <a:p>
-            <a:pPr marL="285750" lvl="0" indent="-285750">
-              <a:buFont typeface="Arial" panose="020B0604020202020204" pitchFamily="34" charset="0"/>
-              <a:buChar char="•"/>
-            </a:pPr>
-            <a:r>
-              <a:rPr lang="en-IN" sz="2200" b="1" dirty="0">
-                <a:solidFill>
-                  <a:schemeClr val="bg1"/>
-                </a:solidFill>
-              </a:rPr>
-              <a:t>I don’t personally agree…</a:t>
-            </a:r>
-          </a:p>
-          <a:p>
-            <a:pPr marL="285750" lvl="0" indent="-285750">
-              <a:buFont typeface="Arial" panose="020B0604020202020204" pitchFamily="34" charset="0"/>
-              <a:buChar char="•"/>
-            </a:pPr>
-            <a:r>
-              <a:rPr lang="en-IN" sz="2200" b="1" dirty="0">
-                <a:solidFill>
-                  <a:schemeClr val="bg1"/>
-                </a:solidFill>
-              </a:rPr>
-              <a:t>Sonia Gandhi was accused as a proxy Prime Minister during the UPA government.</a:t>
-            </a:r>
-          </a:p>
-          <a:p>
-            <a:pPr marL="285750" lvl="0" indent="-285750">
-              <a:buFont typeface="Arial" panose="020B0604020202020204" pitchFamily="34" charset="0"/>
-              <a:buChar char="•"/>
-            </a:pPr>
-            <a:r>
-              <a:rPr lang="en-IN" sz="2200" b="1" dirty="0">
-                <a:solidFill>
-                  <a:schemeClr val="bg1"/>
-                </a:solidFill>
-              </a:rPr>
-              <a:t>Bal Thackeray was also accused similarly.</a:t>
-            </a:r>
-          </a:p>
-          <a:p>
-            <a:pPr marL="285750" lvl="0" indent="-285750">
-              <a:buFont typeface="Arial" panose="020B0604020202020204" pitchFamily="34" charset="0"/>
-              <a:buChar char="•"/>
-            </a:pPr>
-            <a:endParaRPr lang="en-IN" sz="2200" b="1" dirty="0">
-              <a:solidFill>
-                <a:schemeClr val="bg1"/>
-              </a:solidFill>
-            </a:endParaRPr>
-          </a:p>
-        </p:txBody>
-      </p:sp>
+              <a:t>a</a:t>
+            </a:r>
+          </a:p>
+        </p:txBody>
+      </p:sp>
+      <p:pic>
+        <p:nvPicPr>
+          <p:cNvPr id="3074" name="Picture 2">
+            <a:extLst>
+              <a:ext uri="{FF2B5EF4-FFF2-40B4-BE49-F238E27FC236}">
+                <a16:creationId xmlns:a16="http://schemas.microsoft.com/office/drawing/2014/main" id="{7188153D-ECD9-E680-8097-F6717DFA820A}"/>
+              </a:ext>
+            </a:extLst>
+          </p:cNvPr>
+          <p:cNvPicPr>
+            <a:picLocks noChangeAspect="1" noChangeArrowheads="1"/>
+          </p:cNvPicPr>
+          <p:nvPr/>
+        </p:nvPicPr>
+        <p:blipFill>
+          <a:blip r:embed="rId3">
+            <a:extLst>
+              <a:ext uri="{28A0092B-C50C-407E-A947-70E740481C1C}">
+                <a14:useLocalDpi xmlns:a14="http://schemas.microsoft.com/office/drawing/2010/main" val="0"/>
+              </a:ext>
+            </a:extLst>
+          </a:blip>
+          <a:srcRect/>
+          <a:stretch>
+            <a:fillRect/>
+          </a:stretch>
+        </p:blipFill>
+        <p:spPr bwMode="auto">
+          <a:xfrm>
+            <a:off x="533575" y="1432702"/>
+            <a:ext cx="11124850" cy="4877663"/>
+          </a:xfrm>
+          <a:prstGeom prst="rect">
+            <a:avLst/>
+          </a:prstGeom>
+          <a:noFill/>
+          <a:extLst>
+            <a:ext uri="{909E8E84-426E-40DD-AFC4-6F175D3DCCD1}">
+              <a14:hiddenFill xmlns:a14="http://schemas.microsoft.com/office/drawing/2010/main">
+                <a:solidFill>
+                  <a:srgbClr val="FFFFFF"/>
+                </a:solidFill>
+              </a14:hiddenFill>
+            </a:ext>
+          </a:extLst>
+        </p:spPr>
+      </p:pic>
     </p:spTree>
     <p:extLst>
       <p:ext uri="{BB962C8B-B14F-4D97-AF65-F5344CB8AC3E}">
-        <p14:creationId xmlns:p14="http://schemas.microsoft.com/office/powerpoint/2010/main" val="348106029"/>
+        <p14:creationId xmlns:p14="http://schemas.microsoft.com/office/powerpoint/2010/main" val="15454557"/>
       </p:ext>
     </p:extLst>
   </p:cSld>
@@ -9132,7 +9566,7 @@
         <p:spPr>
           <a:xfrm>
             <a:off x="902855" y="1661269"/>
-            <a:ext cx="10615808" cy="430887"/>
+            <a:ext cx="10615808" cy="3170099"/>
           </a:xfrm>
           <a:prstGeom prst="rect">
             <a:avLst/>
@@ -9155,15 +9589,120 @@
                   <a:schemeClr val="bg1"/>
                 </a:solidFill>
               </a:rPr>
-              <a:t>as</a:t>
-            </a:r>
+              <a:t>Definition:</a:t>
+            </a:r>
+          </a:p>
+          <a:p>
+            <a:pPr marL="742950" lvl="1" indent="-285750">
+              <a:buFont typeface="Arial" panose="020B0604020202020204" pitchFamily="34" charset="0"/>
+              <a:buChar char="•"/>
+            </a:pPr>
+            <a:r>
+              <a:rPr lang="en-US" sz="2200" b="1" dirty="0">
+                <a:solidFill>
+                  <a:schemeClr val="bg1"/>
+                </a:solidFill>
+              </a:rPr>
+              <a:t>In proxy pattern, a class represents functionality of another class.</a:t>
+            </a:r>
+            <a:endParaRPr lang="en-IN" sz="2200" b="1" dirty="0">
+              <a:solidFill>
+                <a:schemeClr val="bg1"/>
+              </a:solidFill>
+            </a:endParaRPr>
+          </a:p>
+          <a:p>
+            <a:pPr marL="285750" lvl="0" indent="-285750">
+              <a:buFont typeface="Arial" panose="020B0604020202020204" pitchFamily="34" charset="0"/>
+              <a:buChar char="•"/>
+            </a:pPr>
+            <a:endParaRPr lang="en-IN" sz="2200" b="1" dirty="0">
+              <a:solidFill>
+                <a:schemeClr val="bg1"/>
+              </a:solidFill>
+            </a:endParaRPr>
+          </a:p>
+          <a:p>
+            <a:pPr marL="285750" lvl="0" indent="-285750">
+              <a:buFont typeface="Arial" panose="020B0604020202020204" pitchFamily="34" charset="0"/>
+              <a:buChar char="•"/>
+            </a:pPr>
+            <a:endParaRPr lang="en-IN" sz="2200" b="1" dirty="0">
+              <a:solidFill>
+                <a:schemeClr val="bg1"/>
+              </a:solidFill>
+            </a:endParaRPr>
+          </a:p>
+          <a:p>
+            <a:pPr marL="285750" lvl="0" indent="-285750">
+              <a:buFont typeface="Arial" panose="020B0604020202020204" pitchFamily="34" charset="0"/>
+              <a:buChar char="•"/>
+            </a:pPr>
+            <a:endParaRPr lang="en-IN" sz="2200" b="1" dirty="0">
+              <a:solidFill>
+                <a:schemeClr val="bg1"/>
+              </a:solidFill>
+            </a:endParaRPr>
+          </a:p>
+          <a:p>
+            <a:pPr marL="285750" lvl="0" indent="-285750">
+              <a:buFont typeface="Arial" panose="020B0604020202020204" pitchFamily="34" charset="0"/>
+              <a:buChar char="•"/>
+            </a:pPr>
+            <a:r>
+              <a:rPr lang="en-IN" sz="2200" b="1" dirty="0">
+                <a:solidFill>
+                  <a:schemeClr val="bg1"/>
+                </a:solidFill>
+              </a:rPr>
+              <a:t>Practical example</a:t>
+            </a:r>
+          </a:p>
+          <a:p>
+            <a:pPr marL="285750" lvl="0" indent="-285750">
+              <a:buFont typeface="Arial" panose="020B0604020202020204" pitchFamily="34" charset="0"/>
+              <a:buChar char="•"/>
+            </a:pPr>
+            <a:r>
+              <a:rPr lang="en-IN" sz="2200" b="1" dirty="0">
+                <a:solidFill>
+                  <a:schemeClr val="bg1"/>
+                </a:solidFill>
+              </a:rPr>
+              <a:t>Sonia Gandhi was accused as a proxy Prime Minister during the UPA government.</a:t>
+            </a:r>
+          </a:p>
+          <a:p>
+            <a:pPr marL="285750" lvl="0" indent="-285750">
+              <a:buFont typeface="Arial" panose="020B0604020202020204" pitchFamily="34" charset="0"/>
+              <a:buChar char="•"/>
+            </a:pPr>
+            <a:r>
+              <a:rPr lang="en-IN" sz="2200" b="1" dirty="0">
+                <a:solidFill>
+                  <a:schemeClr val="bg1"/>
+                </a:solidFill>
+              </a:rPr>
+              <a:t>Bal Thackeray was also accused similarly.</a:t>
+            </a:r>
+          </a:p>
+          <a:p>
+            <a:pPr marL="285750" lvl="0" indent="-285750">
+              <a:buFont typeface="Arial" panose="020B0604020202020204" pitchFamily="34" charset="0"/>
+              <a:buChar char="•"/>
+            </a:pPr>
+            <a:endParaRPr lang="en-IN" sz="2200" b="1" dirty="0">
+              <a:solidFill>
+                <a:schemeClr val="bg1"/>
+              </a:solidFill>
+            </a:endParaRPr>
           </a:p>
         </p:txBody>
       </p:sp>
     </p:spTree>
     <p:extLst>
       <p:ext uri="{BB962C8B-B14F-4D97-AF65-F5344CB8AC3E}">
-        <p14:creationId xmlns:p14="http://schemas.microsoft.com/office/powerpoint/2010/main" val="353253955"/>
+        <p14:creationId xmlns:p14="http://schemas.microsoft.com/office/powerpoint/2010/main" val="348106029"/>
       </p:ext>
     </p:extLst>
   </p:cSld>
@@ -9237,6 +9776,184 @@
                 </a:solidFill>
                 <a:latin typeface="+mn-lt"/>
               </a:rPr>
+              <a:t>Proxy</a:t>
+            </a:r>
+            <a:endParaRPr lang="en-IN" sz="4000" dirty="0">
+              <a:solidFill>
+                <a:schemeClr val="bg1"/>
+              </a:solidFill>
+              <a:latin typeface="+mn-lt"/>
+            </a:endParaRPr>
+          </a:p>
+        </p:txBody>
+      </p:sp>
+      <p:sp>
+        <p:nvSpPr>
+          <p:cNvPr id="5" name="TextBox 4">
+            <a:extLst>
+              <a:ext uri="{FF2B5EF4-FFF2-40B4-BE49-F238E27FC236}">
+                <a16:creationId xmlns:a16="http://schemas.microsoft.com/office/drawing/2014/main" id="{41E43EDA-DBB6-47B3-A7FA-105B9DB48FBB}"/>
+              </a:ext>
+            </a:extLst>
+          </p:cNvPr>
+          <p:cNvSpPr txBox="1"/>
+          <p:nvPr/>
+        </p:nvSpPr>
+        <p:spPr>
+          <a:xfrm>
+            <a:off x="902855" y="1661269"/>
+            <a:ext cx="10615808" cy="430887"/>
+          </a:xfrm>
+          <a:prstGeom prst="rect">
+            <a:avLst/>
+          </a:prstGeom>
+          <a:noFill/>
+        </p:spPr>
+        <p:txBody>
+          <a:bodyPr wrap="square" rtlCol="0">
+            <a:spAutoFit/>
+          </a:bodyPr>
+          <a:lstStyle/>
+          <a:p>
+            <a:pPr marL="285750" lvl="0" indent="-285750">
+              <a:buFont typeface="Arial" panose="020B0604020202020204" pitchFamily="34" charset="0"/>
+              <a:buChar char="•"/>
+            </a:pPr>
+            <a:r>
+              <a:rPr lang="en-IN" sz="2200" b="1" dirty="0">
+                <a:solidFill>
+                  <a:schemeClr val="bg1"/>
+                </a:solidFill>
+              </a:rPr>
+              <a:t>a</a:t>
+            </a:r>
+          </a:p>
+        </p:txBody>
+      </p:sp>
+      <p:pic>
+        <p:nvPicPr>
+          <p:cNvPr id="4098" name="Picture 2" descr="Proxy Pattern UML Diagram">
+            <a:extLst>
+              <a:ext uri="{FF2B5EF4-FFF2-40B4-BE49-F238E27FC236}">
+                <a16:creationId xmlns:a16="http://schemas.microsoft.com/office/drawing/2014/main" id="{A6300730-F42B-8C7E-162E-469CB0BD39F9}"/>
+              </a:ext>
+            </a:extLst>
+          </p:cNvPr>
+          <p:cNvPicPr>
+            <a:picLocks noChangeAspect="1" noChangeArrowheads="1"/>
+          </p:cNvPicPr>
+          <p:nvPr/>
+        </p:nvPicPr>
+        <p:blipFill>
+          <a:blip r:embed="rId3">
+            <a:extLst>
+              <a:ext uri="{28A0092B-C50C-407E-A947-70E740481C1C}">
+                <a14:useLocalDpi xmlns:a14="http://schemas.microsoft.com/office/drawing/2010/main" val="0"/>
+              </a:ext>
+            </a:extLst>
+          </a:blip>
+          <a:srcRect/>
+          <a:stretch>
+            <a:fillRect/>
+          </a:stretch>
+        </p:blipFill>
+        <p:spPr bwMode="auto">
+          <a:xfrm>
+            <a:off x="612949" y="1507253"/>
+            <a:ext cx="10791930" cy="4833257"/>
+          </a:xfrm>
+          <a:prstGeom prst="rect">
+            <a:avLst/>
+          </a:prstGeom>
+          <a:noFill/>
+          <a:extLst>
+            <a:ext uri="{909E8E84-426E-40DD-AFC4-6F175D3DCCD1}">
+              <a14:hiddenFill xmlns:a14="http://schemas.microsoft.com/office/drawing/2010/main">
+                <a:solidFill>
+                  <a:srgbClr val="FFFFFF"/>
+                </a:solidFill>
+              </a14:hiddenFill>
+            </a:ext>
+          </a:extLst>
+        </p:spPr>
+      </p:pic>
+    </p:spTree>
+    <p:extLst>
+      <p:ext uri="{BB962C8B-B14F-4D97-AF65-F5344CB8AC3E}">
+        <p14:creationId xmlns:p14="http://schemas.microsoft.com/office/powerpoint/2010/main" val="353253955"/>
+      </p:ext>
+    </p:extLst>
+  </p:cSld>
+  <p:clrMapOvr>
+    <a:masterClrMapping/>
+  </p:clrMapOvr>
+</p:sld>
+</file>
+
+<file path=ppt/slides/slide27.xml><?xml version="1.0" encoding="utf-8"?>
+<p:sld xmlns:a="http://schemas.openxmlformats.org/drawingml/2006/main" xmlns:r="http://schemas.openxmlformats.org/officeDocument/2006/relationships" xmlns:p="http://schemas.openxmlformats.org/presentationml/2006/main">
+  <p:cSld>
+    <p:bg>
+      <p:bgPr>
+        <a:solidFill>
+          <a:schemeClr val="tx2">
+            <a:lumMod val="60000"/>
+            <a:lumOff val="40000"/>
+          </a:schemeClr>
+        </a:solidFill>
+        <a:effectLst/>
+      </p:bgPr>
+    </p:bg>
+    <p:spTree>
+      <p:nvGrpSpPr>
+        <p:cNvPr id="1" name=""/>
+        <p:cNvGrpSpPr/>
+        <p:nvPr/>
+      </p:nvGrpSpPr>
+      <p:grpSpPr>
+        <a:xfrm>
+          <a:off x="0" y="0"/>
+          <a:ext cx="0" cy="0"/>
+          <a:chOff x="0" y="0"/>
+          <a:chExt cx="0" cy="0"/>
+        </a:xfrm>
+      </p:grpSpPr>
+      <p:sp>
+        <p:nvSpPr>
+          <p:cNvPr id="2" name="Title 1">
+            <a:extLst>
+              <a:ext uri="{FF2B5EF4-FFF2-40B4-BE49-F238E27FC236}">
+                <a16:creationId xmlns:a16="http://schemas.microsoft.com/office/drawing/2014/main" id="{62999562-0F6A-40AE-84D9-D6E985CF51FE}"/>
+              </a:ext>
+            </a:extLst>
+          </p:cNvPr>
+          <p:cNvSpPr>
+            <a:spLocks noGrp="1"/>
+          </p:cNvSpPr>
+          <p:nvPr>
+            <p:ph type="title"/>
+          </p:nvPr>
+        </p:nvSpPr>
+        <p:spPr>
+          <a:xfrm>
+            <a:off x="1023559" y="107139"/>
+            <a:ext cx="10515600" cy="1325563"/>
+          </a:xfrm>
+        </p:spPr>
+        <p:txBody>
+          <a:bodyPr>
+            <a:normAutofit/>
+          </a:bodyPr>
+          <a:lstStyle/>
+          <a:p>
+            <a:pPr algn="ctr"/>
+            <a:r>
+              <a:rPr lang="en-US" sz="6000" dirty="0">
+                <a:solidFill>
+                  <a:schemeClr val="bg1"/>
+                </a:solidFill>
+                <a:latin typeface="+mn-lt"/>
+              </a:rPr>
               <a:t>Facade</a:t>
             </a:r>
             <a:endParaRPr lang="en-IN" sz="4000" dirty="0">
@@ -9365,7 +10082,7 @@
 </p:sld>
 </file>
 
-<file path=ppt/slides/slide27.xml><?xml version="1.0" encoding="utf-8"?>
+<file path=ppt/slides/slide28.xml><?xml version="1.0" encoding="utf-8"?>
 <p:sld xmlns:a="http://schemas.openxmlformats.org/drawingml/2006/main" xmlns:r="http://schemas.openxmlformats.org/officeDocument/2006/relationships" xmlns:p="http://schemas.openxmlformats.org/presentationml/2006/main">
   <p:cSld>
     <p:bg>
